--- a/랩미팅/201806/Double Lock-in Diagram.pptx
+++ b/랩미팅/201806/Double Lock-in Diagram.pptx
@@ -104,6 +104,11 @@
       </a:defRPr>
     </a:lvl9pPr>
   </p:defaultTextStyle>
+  <p:extLst>
+    <p:ext uri="{EFAFB233-063F-42B5-8137-9DF3F51BA10A}">
+      <p15:sldGuideLst xmlns:p15="http://schemas.microsoft.com/office/powerpoint/2012/main"/>
+    </p:ext>
+  </p:extLst>
 </p:presentation>
 </file>
 
@@ -238,7 +243,7 @@
           <a:p>
             <a:fld id="{E5BAA44B-E87F-4D79-81C9-1BA51BA6602C}" type="datetimeFigureOut">
               <a:rPr lang="ko-KR" altLang="en-US" smtClean="0"/>
-              <a:t>2018-06-27</a:t>
+              <a:t>2018-07-02</a:t>
             </a:fld>
             <a:endParaRPr lang="ko-KR" altLang="en-US"/>
           </a:p>
@@ -408,7 +413,7 @@
           <a:p>
             <a:fld id="{E5BAA44B-E87F-4D79-81C9-1BA51BA6602C}" type="datetimeFigureOut">
               <a:rPr lang="ko-KR" altLang="en-US" smtClean="0"/>
-              <a:t>2018-06-27</a:t>
+              <a:t>2018-07-02</a:t>
             </a:fld>
             <a:endParaRPr lang="ko-KR" altLang="en-US"/>
           </a:p>
@@ -588,7 +593,7 @@
           <a:p>
             <a:fld id="{E5BAA44B-E87F-4D79-81C9-1BA51BA6602C}" type="datetimeFigureOut">
               <a:rPr lang="ko-KR" altLang="en-US" smtClean="0"/>
-              <a:t>2018-06-27</a:t>
+              <a:t>2018-07-02</a:t>
             </a:fld>
             <a:endParaRPr lang="ko-KR" altLang="en-US"/>
           </a:p>
@@ -758,7 +763,7 @@
           <a:p>
             <a:fld id="{E5BAA44B-E87F-4D79-81C9-1BA51BA6602C}" type="datetimeFigureOut">
               <a:rPr lang="ko-KR" altLang="en-US" smtClean="0"/>
-              <a:t>2018-06-27</a:t>
+              <a:t>2018-07-02</a:t>
             </a:fld>
             <a:endParaRPr lang="ko-KR" altLang="en-US"/>
           </a:p>
@@ -1004,7 +1009,7 @@
           <a:p>
             <a:fld id="{E5BAA44B-E87F-4D79-81C9-1BA51BA6602C}" type="datetimeFigureOut">
               <a:rPr lang="ko-KR" altLang="en-US" smtClean="0"/>
-              <a:t>2018-06-27</a:t>
+              <a:t>2018-07-02</a:t>
             </a:fld>
             <a:endParaRPr lang="ko-KR" altLang="en-US"/>
           </a:p>
@@ -1236,7 +1241,7 @@
           <a:p>
             <a:fld id="{E5BAA44B-E87F-4D79-81C9-1BA51BA6602C}" type="datetimeFigureOut">
               <a:rPr lang="ko-KR" altLang="en-US" smtClean="0"/>
-              <a:t>2018-06-27</a:t>
+              <a:t>2018-07-02</a:t>
             </a:fld>
             <a:endParaRPr lang="ko-KR" altLang="en-US"/>
           </a:p>
@@ -1603,7 +1608,7 @@
           <a:p>
             <a:fld id="{E5BAA44B-E87F-4D79-81C9-1BA51BA6602C}" type="datetimeFigureOut">
               <a:rPr lang="ko-KR" altLang="en-US" smtClean="0"/>
-              <a:t>2018-06-27</a:t>
+              <a:t>2018-07-02</a:t>
             </a:fld>
             <a:endParaRPr lang="ko-KR" altLang="en-US"/>
           </a:p>
@@ -1721,7 +1726,7 @@
           <a:p>
             <a:fld id="{E5BAA44B-E87F-4D79-81C9-1BA51BA6602C}" type="datetimeFigureOut">
               <a:rPr lang="ko-KR" altLang="en-US" smtClean="0"/>
-              <a:t>2018-06-27</a:t>
+              <a:t>2018-07-02</a:t>
             </a:fld>
             <a:endParaRPr lang="ko-KR" altLang="en-US"/>
           </a:p>
@@ -1816,7 +1821,7 @@
           <a:p>
             <a:fld id="{E5BAA44B-E87F-4D79-81C9-1BA51BA6602C}" type="datetimeFigureOut">
               <a:rPr lang="ko-KR" altLang="en-US" smtClean="0"/>
-              <a:t>2018-06-27</a:t>
+              <a:t>2018-07-02</a:t>
             </a:fld>
             <a:endParaRPr lang="ko-KR" altLang="en-US"/>
           </a:p>
@@ -2093,7 +2098,7 @@
           <a:p>
             <a:fld id="{E5BAA44B-E87F-4D79-81C9-1BA51BA6602C}" type="datetimeFigureOut">
               <a:rPr lang="ko-KR" altLang="en-US" smtClean="0"/>
-              <a:t>2018-06-27</a:t>
+              <a:t>2018-07-02</a:t>
             </a:fld>
             <a:endParaRPr lang="ko-KR" altLang="en-US"/>
           </a:p>
@@ -2346,7 +2351,7 @@
           <a:p>
             <a:fld id="{E5BAA44B-E87F-4D79-81C9-1BA51BA6602C}" type="datetimeFigureOut">
               <a:rPr lang="ko-KR" altLang="en-US" smtClean="0"/>
-              <a:t>2018-06-27</a:t>
+              <a:t>2018-07-02</a:t>
             </a:fld>
             <a:endParaRPr lang="ko-KR" altLang="en-US"/>
           </a:p>
@@ -2559,7 +2564,7 @@
           <a:p>
             <a:fld id="{E5BAA44B-E87F-4D79-81C9-1BA51BA6602C}" type="datetimeFigureOut">
               <a:rPr lang="ko-KR" altLang="en-US" smtClean="0"/>
-              <a:t>2018-06-27</a:t>
+              <a:t>2018-07-02</a:t>
             </a:fld>
             <a:endParaRPr lang="ko-KR" altLang="en-US"/>
           </a:p>
@@ -2964,930 +2969,30 @@
           <a:chExt cx="0" cy="0"/>
         </a:xfrm>
       </p:grpSpPr>
-      <p:sp>
-        <p:nvSpPr>
-          <p:cNvPr id="4" name="직사각형 3"/>
-          <p:cNvSpPr/>
-          <p:nvPr/>
-        </p:nvSpPr>
-        <p:spPr>
-          <a:xfrm>
-            <a:off x="2556933" y="473826"/>
-            <a:ext cx="8723438" cy="5810596"/>
-          </a:xfrm>
-          <a:prstGeom prst="rect">
-            <a:avLst/>
-          </a:prstGeom>
-          <a:noFill/>
-          <a:ln>
-            <a:solidFill>
-              <a:schemeClr val="tx1"/>
-            </a:solidFill>
-          </a:ln>
-        </p:spPr>
-        <p:style>
-          <a:lnRef idx="2">
-            <a:schemeClr val="accent1">
-              <a:shade val="50000"/>
-            </a:schemeClr>
-          </a:lnRef>
-          <a:fillRef idx="1">
-            <a:schemeClr val="accent1"/>
-          </a:fillRef>
-          <a:effectRef idx="0">
-            <a:schemeClr val="accent1"/>
-          </a:effectRef>
-          <a:fontRef idx="minor">
-            <a:schemeClr val="lt1"/>
-          </a:fontRef>
-        </p:style>
-        <p:txBody>
-          <a:bodyPr rtlCol="0" anchor="ctr"/>
-          <a:lstStyle/>
-          <a:p>
-            <a:pPr algn="ctr"/>
-            <a:endParaRPr lang="ko-KR" altLang="en-US"/>
-          </a:p>
-        </p:txBody>
-      </p:sp>
-      <p:cxnSp>
-        <p:nvCxnSpPr>
-          <p:cNvPr id="6" name="직선 화살표 연결선 5"/>
-          <p:cNvCxnSpPr/>
-          <p:nvPr/>
-        </p:nvCxnSpPr>
-        <p:spPr>
-          <a:xfrm>
-            <a:off x="1409777" y="748145"/>
-            <a:ext cx="1147156" cy="0"/>
-          </a:xfrm>
-          <a:prstGeom prst="straightConnector1">
-            <a:avLst/>
-          </a:prstGeom>
-          <a:ln>
-            <a:tailEnd type="triangle"/>
-          </a:ln>
-        </p:spPr>
-        <p:style>
-          <a:lnRef idx="1">
-            <a:schemeClr val="dk1"/>
-          </a:lnRef>
-          <a:fillRef idx="0">
-            <a:schemeClr val="dk1"/>
-          </a:fillRef>
-          <a:effectRef idx="0">
-            <a:schemeClr val="dk1"/>
-          </a:effectRef>
-          <a:fontRef idx="minor">
-            <a:schemeClr val="tx1"/>
-          </a:fontRef>
-        </p:style>
-      </p:cxnSp>
-      <p:cxnSp>
-        <p:nvCxnSpPr>
-          <p:cNvPr id="7" name="직선 화살표 연결선 6"/>
-          <p:cNvCxnSpPr/>
-          <p:nvPr/>
-        </p:nvCxnSpPr>
-        <p:spPr>
-          <a:xfrm>
-            <a:off x="1409777" y="1255221"/>
-            <a:ext cx="1147156" cy="0"/>
-          </a:xfrm>
-          <a:prstGeom prst="straightConnector1">
-            <a:avLst/>
-          </a:prstGeom>
-          <a:ln>
-            <a:tailEnd type="triangle"/>
-          </a:ln>
-        </p:spPr>
-        <p:style>
-          <a:lnRef idx="1">
-            <a:schemeClr val="dk1"/>
-          </a:lnRef>
-          <a:fillRef idx="0">
-            <a:schemeClr val="dk1"/>
-          </a:fillRef>
-          <a:effectRef idx="0">
-            <a:schemeClr val="dk1"/>
-          </a:effectRef>
-          <a:fontRef idx="minor">
-            <a:schemeClr val="tx1"/>
-          </a:fontRef>
-        </p:style>
-      </p:cxnSp>
-      <p:cxnSp>
-        <p:nvCxnSpPr>
-          <p:cNvPr id="8" name="직선 화살표 연결선 7"/>
-          <p:cNvCxnSpPr/>
-          <p:nvPr/>
-        </p:nvCxnSpPr>
-        <p:spPr>
-          <a:xfrm>
-            <a:off x="1409777" y="1762297"/>
-            <a:ext cx="1147156" cy="0"/>
-          </a:xfrm>
-          <a:prstGeom prst="straightConnector1">
-            <a:avLst/>
-          </a:prstGeom>
-          <a:ln>
-            <a:tailEnd type="triangle"/>
-          </a:ln>
-        </p:spPr>
-        <p:style>
-          <a:lnRef idx="1">
-            <a:schemeClr val="dk1"/>
-          </a:lnRef>
-          <a:fillRef idx="0">
-            <a:schemeClr val="dk1"/>
-          </a:fillRef>
-          <a:effectRef idx="0">
-            <a:schemeClr val="dk1"/>
-          </a:effectRef>
-          <a:fontRef idx="minor">
-            <a:schemeClr val="tx1"/>
-          </a:fontRef>
-        </p:style>
-      </p:cxnSp>
-      <p:sp>
-        <p:nvSpPr>
-          <p:cNvPr id="9" name="TextBox 8"/>
-          <p:cNvSpPr txBox="1"/>
-          <p:nvPr/>
-        </p:nvSpPr>
-        <p:spPr>
-          <a:xfrm>
-            <a:off x="960889" y="413576"/>
-            <a:ext cx="1418244" cy="338554"/>
-          </a:xfrm>
-          <a:prstGeom prst="rect">
-            <a:avLst/>
-          </a:prstGeom>
-          <a:noFill/>
-        </p:spPr>
-        <p:txBody>
-          <a:bodyPr wrap="square" rtlCol="0">
-            <a:spAutoFit/>
-          </a:bodyPr>
-          <a:lstStyle/>
-          <a:p>
-            <a:r>
-              <a:rPr lang="en-US" altLang="ko-KR" sz="1600" dirty="0" smtClean="0"/>
-              <a:t>THz Detector</a:t>
-            </a:r>
-            <a:endParaRPr lang="ko-KR" altLang="en-US" sz="1600" dirty="0"/>
-          </a:p>
-        </p:txBody>
-      </p:sp>
-      <p:sp>
-        <p:nvSpPr>
-          <p:cNvPr id="10" name="TextBox 9"/>
-          <p:cNvSpPr txBox="1"/>
-          <p:nvPr/>
-        </p:nvSpPr>
-        <p:spPr>
-          <a:xfrm>
-            <a:off x="-60729" y="912683"/>
-            <a:ext cx="2528762" cy="338554"/>
-          </a:xfrm>
-          <a:prstGeom prst="rect">
-            <a:avLst/>
-          </a:prstGeom>
-          <a:noFill/>
-        </p:spPr>
-        <p:txBody>
-          <a:bodyPr wrap="square" rtlCol="0">
-            <a:spAutoFit/>
-          </a:bodyPr>
-          <a:lstStyle/>
-          <a:p>
-            <a:r>
-              <a:rPr lang="en-US" altLang="ko-KR" sz="1600" dirty="0" smtClean="0"/>
-              <a:t>Tip oscillation amplitude</a:t>
-            </a:r>
-            <a:endParaRPr lang="ko-KR" altLang="en-US" sz="1600" dirty="0"/>
-          </a:p>
-        </p:txBody>
-      </p:sp>
-      <p:sp>
-        <p:nvSpPr>
-          <p:cNvPr id="11" name="TextBox 10"/>
-          <p:cNvSpPr txBox="1"/>
-          <p:nvPr/>
-        </p:nvSpPr>
-        <p:spPr>
-          <a:xfrm>
-            <a:off x="663170" y="1423743"/>
-            <a:ext cx="1715963" cy="338554"/>
-          </a:xfrm>
-          <a:prstGeom prst="rect">
-            <a:avLst/>
-          </a:prstGeom>
-          <a:noFill/>
-        </p:spPr>
-        <p:txBody>
-          <a:bodyPr wrap="square" rtlCol="0">
-            <a:spAutoFit/>
-          </a:bodyPr>
-          <a:lstStyle/>
-          <a:p>
-            <a:r>
-              <a:rPr lang="en-US" altLang="ko-KR" sz="1600" dirty="0" smtClean="0"/>
-              <a:t>Optical Chopper</a:t>
-            </a:r>
-            <a:endParaRPr lang="ko-KR" altLang="en-US" sz="1600" dirty="0"/>
-          </a:p>
-        </p:txBody>
-      </p:sp>
-      <mc:AlternateContent xmlns:mc="http://schemas.openxmlformats.org/markup-compatibility/2006">
-        <mc:Choice xmlns:a14="http://schemas.microsoft.com/office/drawing/2010/main" Requires="a14">
-          <p:sp>
-            <p:nvSpPr>
-              <p:cNvPr id="12" name="TextBox 11"/>
-              <p:cNvSpPr txBox="1"/>
-              <p:nvPr/>
-            </p:nvSpPr>
-            <p:spPr>
-              <a:xfrm>
-                <a:off x="2645833" y="1081960"/>
-                <a:ext cx="263149" cy="276999"/>
-              </a:xfrm>
-              <a:prstGeom prst="rect">
-                <a:avLst/>
-              </a:prstGeom>
-              <a:noFill/>
-            </p:spPr>
-            <p:txBody>
-              <a:bodyPr wrap="none" lIns="0" tIns="0" rIns="0" bIns="0" rtlCol="0">
-                <a:spAutoFit/>
-              </a:bodyPr>
-              <a:lstStyle/>
-              <a:p>
-                <a14:m>
-                  <m:oMathPara xmlns:m="http://schemas.openxmlformats.org/officeDocument/2006/math">
-                    <m:oMathParaPr>
-                      <m:jc m:val="centerGroup"/>
-                    </m:oMathParaPr>
-                    <m:oMath xmlns:m="http://schemas.openxmlformats.org/officeDocument/2006/math">
-                      <m:sSub>
-                        <m:sSubPr>
-                          <m:ctrlPr>
-                            <a:rPr lang="en-US" altLang="ko-KR" b="0" i="1" smtClean="0">
-                              <a:latin typeface="Cambria Math" panose="02040503050406030204" pitchFamily="18" charset="0"/>
-                            </a:rPr>
-                          </m:ctrlPr>
-                        </m:sSubPr>
-                        <m:e>
-                          <m:r>
-                            <a:rPr lang="en-US" altLang="ko-KR" b="0" i="1" smtClean="0">
-                              <a:latin typeface="Cambria Math" panose="02040503050406030204" pitchFamily="18" charset="0"/>
-                            </a:rPr>
-                            <m:t>𝑓</m:t>
-                          </m:r>
-                        </m:e>
-                        <m:sub>
-                          <m:r>
-                            <a:rPr lang="en-US" altLang="ko-KR" b="0" i="1" smtClean="0">
-                              <a:latin typeface="Cambria Math" panose="02040503050406030204" pitchFamily="18" charset="0"/>
-                            </a:rPr>
-                            <m:t>𝑐</m:t>
-                          </m:r>
-                        </m:sub>
-                      </m:sSub>
-                    </m:oMath>
-                  </m:oMathPara>
-                </a14:m>
-                <a:endParaRPr lang="ko-KR" altLang="en-US" dirty="0"/>
-              </a:p>
-            </p:txBody>
-          </p:sp>
-        </mc:Choice>
-        <mc:Fallback>
-          <p:sp>
-            <p:nvSpPr>
-              <p:cNvPr id="12" name="TextBox 11"/>
-              <p:cNvSpPr txBox="1">
-                <a:spLocks noRot="1" noChangeAspect="1" noMove="1" noResize="1" noEditPoints="1" noAdjustHandles="1" noChangeArrowheads="1" noChangeShapeType="1" noTextEdit="1"/>
-              </p:cNvSpPr>
-              <p:nvPr/>
-            </p:nvSpPr>
-            <p:spPr>
-              <a:xfrm>
-                <a:off x="2645833" y="1081960"/>
-                <a:ext cx="263149" cy="276999"/>
-              </a:xfrm>
-              <a:prstGeom prst="rect">
-                <a:avLst/>
-              </a:prstGeom>
-              <a:blipFill>
-                <a:blip r:embed="rId2"/>
-                <a:stretch>
-                  <a:fillRect l="-25581" r="-6977" b="-36957"/>
-                </a:stretch>
-              </a:blipFill>
-            </p:spPr>
-            <p:txBody>
-              <a:bodyPr/>
-              <a:lstStyle/>
-              <a:p>
-                <a:r>
-                  <a:rPr lang="ko-KR" altLang="en-US">
-                    <a:noFill/>
-                  </a:rPr>
-                  <a:t> </a:t>
-                </a:r>
-              </a:p>
-            </p:txBody>
-          </p:sp>
-        </mc:Fallback>
-      </mc:AlternateContent>
-      <mc:AlternateContent xmlns:mc="http://schemas.openxmlformats.org/markup-compatibility/2006">
-        <mc:Choice xmlns:a14="http://schemas.microsoft.com/office/drawing/2010/main" Requires="a14">
-          <p:sp>
-            <p:nvSpPr>
-              <p:cNvPr id="13" name="TextBox 12"/>
-              <p:cNvSpPr txBox="1"/>
-              <p:nvPr/>
-            </p:nvSpPr>
-            <p:spPr>
-              <a:xfrm>
-                <a:off x="2645833" y="1623797"/>
-                <a:ext cx="332848" cy="276999"/>
-              </a:xfrm>
-              <a:prstGeom prst="rect">
-                <a:avLst/>
-              </a:prstGeom>
-              <a:noFill/>
-            </p:spPr>
-            <p:txBody>
-              <a:bodyPr wrap="none" lIns="0" tIns="0" rIns="0" bIns="0" rtlCol="0">
-                <a:spAutoFit/>
-              </a:bodyPr>
-              <a:lstStyle/>
-              <a:p>
-                <a14:m>
-                  <m:oMathPara xmlns:m="http://schemas.openxmlformats.org/officeDocument/2006/math">
-                    <m:oMathParaPr>
-                      <m:jc m:val="centerGroup"/>
-                    </m:oMathParaPr>
-                    <m:oMath xmlns:m="http://schemas.openxmlformats.org/officeDocument/2006/math">
-                      <m:sSub>
-                        <m:sSubPr>
-                          <m:ctrlPr>
-                            <a:rPr lang="en-US" altLang="ko-KR" b="0" i="1" smtClean="0">
-                              <a:latin typeface="Cambria Math" panose="02040503050406030204" pitchFamily="18" charset="0"/>
-                            </a:rPr>
-                          </m:ctrlPr>
-                        </m:sSubPr>
-                        <m:e>
-                          <m:r>
-                            <a:rPr lang="en-US" altLang="ko-KR" b="0" i="1" smtClean="0">
-                              <a:latin typeface="Cambria Math" panose="02040503050406030204" pitchFamily="18" charset="0"/>
-                            </a:rPr>
-                            <m:t>𝑓</m:t>
-                          </m:r>
-                        </m:e>
-                        <m:sub>
-                          <m:r>
-                            <a:rPr lang="en-US" altLang="ko-KR" b="0" i="1" smtClean="0">
-                              <a:latin typeface="Cambria Math" panose="02040503050406030204" pitchFamily="18" charset="0"/>
-                            </a:rPr>
-                            <m:t>𝑚</m:t>
-                          </m:r>
-                        </m:sub>
-                      </m:sSub>
-                    </m:oMath>
-                  </m:oMathPara>
-                </a14:m>
-                <a:endParaRPr lang="ko-KR" altLang="en-US" dirty="0"/>
-              </a:p>
-            </p:txBody>
-          </p:sp>
-        </mc:Choice>
-        <mc:Fallback>
-          <p:sp>
-            <p:nvSpPr>
-              <p:cNvPr id="13" name="TextBox 12"/>
-              <p:cNvSpPr txBox="1">
-                <a:spLocks noRot="1" noChangeAspect="1" noMove="1" noResize="1" noEditPoints="1" noAdjustHandles="1" noChangeArrowheads="1" noChangeShapeType="1" noTextEdit="1"/>
-              </p:cNvSpPr>
-              <p:nvPr/>
-            </p:nvSpPr>
-            <p:spPr>
-              <a:xfrm>
-                <a:off x="2645833" y="1623797"/>
-                <a:ext cx="332848" cy="276999"/>
-              </a:xfrm>
-              <a:prstGeom prst="rect">
-                <a:avLst/>
-              </a:prstGeom>
-              <a:blipFill>
-                <a:blip r:embed="rId3"/>
-                <a:stretch>
-                  <a:fillRect l="-20000" b="-36957"/>
-                </a:stretch>
-              </a:blipFill>
-            </p:spPr>
-            <p:txBody>
-              <a:bodyPr/>
-              <a:lstStyle/>
-              <a:p>
-                <a:r>
-                  <a:rPr lang="ko-KR" altLang="en-US">
-                    <a:noFill/>
-                  </a:rPr>
-                  <a:t> </a:t>
-                </a:r>
-              </a:p>
-            </p:txBody>
-          </p:sp>
-        </mc:Fallback>
-      </mc:AlternateContent>
-      <p:sp>
-        <p:nvSpPr>
-          <p:cNvPr id="14" name="직사각형 13"/>
-          <p:cNvSpPr/>
-          <p:nvPr/>
-        </p:nvSpPr>
-        <p:spPr>
-          <a:xfrm>
-            <a:off x="3696382" y="581136"/>
-            <a:ext cx="1384373" cy="4583531"/>
-          </a:xfrm>
-          <a:prstGeom prst="rect">
-            <a:avLst/>
-          </a:prstGeom>
-          <a:noFill/>
-          <a:ln>
-            <a:solidFill>
-              <a:schemeClr val="tx1"/>
-            </a:solidFill>
-          </a:ln>
-        </p:spPr>
-        <p:style>
-          <a:lnRef idx="2">
-            <a:schemeClr val="accent1">
-              <a:shade val="50000"/>
-            </a:schemeClr>
-          </a:lnRef>
-          <a:fillRef idx="1">
-            <a:schemeClr val="accent1"/>
-          </a:fillRef>
-          <a:effectRef idx="0">
-            <a:schemeClr val="accent1"/>
-          </a:effectRef>
-          <a:fontRef idx="minor">
-            <a:schemeClr val="lt1"/>
-          </a:fontRef>
-        </p:style>
-        <p:txBody>
-          <a:bodyPr rtlCol="0" anchor="ctr"/>
-          <a:lstStyle/>
-          <a:p>
-            <a:pPr algn="ctr"/>
-            <a:endParaRPr lang="ko-KR" altLang="en-US"/>
-          </a:p>
-        </p:txBody>
-      </p:sp>
-      <p:sp>
-        <p:nvSpPr>
-          <p:cNvPr id="15" name="TextBox 14"/>
-          <p:cNvSpPr txBox="1"/>
-          <p:nvPr/>
-        </p:nvSpPr>
-        <p:spPr>
-          <a:xfrm>
-            <a:off x="3642173" y="4803507"/>
-            <a:ext cx="1505559" cy="338554"/>
-          </a:xfrm>
-          <a:prstGeom prst="rect">
-            <a:avLst/>
-          </a:prstGeom>
-          <a:noFill/>
-        </p:spPr>
-        <p:txBody>
-          <a:bodyPr wrap="square" rtlCol="0">
-            <a:spAutoFit/>
-          </a:bodyPr>
-          <a:lstStyle/>
-          <a:p>
-            <a:r>
-              <a:rPr lang="en-US" altLang="ko-KR" sz="1600" dirty="0" smtClean="0"/>
-              <a:t>MOD function</a:t>
-            </a:r>
-            <a:endParaRPr lang="ko-KR" altLang="en-US" sz="1600" dirty="0"/>
-          </a:p>
-        </p:txBody>
-      </p:sp>
-      <p:cxnSp>
-        <p:nvCxnSpPr>
-          <p:cNvPr id="22" name="직선 화살표 연결선 21"/>
-          <p:cNvCxnSpPr/>
-          <p:nvPr/>
-        </p:nvCxnSpPr>
-        <p:spPr>
-          <a:xfrm>
-            <a:off x="2791383" y="751223"/>
-            <a:ext cx="904999" cy="0"/>
-          </a:xfrm>
-          <a:prstGeom prst="straightConnector1">
-            <a:avLst/>
-          </a:prstGeom>
-          <a:ln>
-            <a:tailEnd type="triangle"/>
-          </a:ln>
-        </p:spPr>
-        <p:style>
-          <a:lnRef idx="1">
-            <a:schemeClr val="dk1"/>
-          </a:lnRef>
-          <a:fillRef idx="0">
-            <a:schemeClr val="dk1"/>
-          </a:fillRef>
-          <a:effectRef idx="0">
-            <a:schemeClr val="dk1"/>
-          </a:effectRef>
-          <a:fontRef idx="minor">
-            <a:schemeClr val="tx1"/>
-          </a:fontRef>
-        </p:style>
-      </p:cxnSp>
-      <p:cxnSp>
-        <p:nvCxnSpPr>
-          <p:cNvPr id="24" name="꺾인 연결선 23"/>
-          <p:cNvCxnSpPr>
-            <a:stCxn id="12" idx="3"/>
-            <a:endCxn id="14" idx="1"/>
-          </p:cNvCxnSpPr>
-          <p:nvPr/>
-        </p:nvCxnSpPr>
-        <p:spPr>
-          <a:xfrm>
-            <a:off x="2908982" y="1220460"/>
-            <a:ext cx="787400" cy="1652442"/>
-          </a:xfrm>
-          <a:prstGeom prst="bentConnector3">
-            <a:avLst/>
-          </a:prstGeom>
-          <a:ln>
-            <a:solidFill>
-              <a:schemeClr val="tx1"/>
-            </a:solidFill>
-            <a:tailEnd type="triangle"/>
-          </a:ln>
-        </p:spPr>
-        <p:style>
-          <a:lnRef idx="1">
-            <a:schemeClr val="accent1"/>
-          </a:lnRef>
-          <a:fillRef idx="0">
-            <a:schemeClr val="accent1"/>
-          </a:fillRef>
-          <a:effectRef idx="0">
-            <a:schemeClr val="accent1"/>
-          </a:effectRef>
-          <a:fontRef idx="minor">
-            <a:schemeClr val="tx1"/>
-          </a:fontRef>
-        </p:style>
-      </p:cxnSp>
-      <p:cxnSp>
-        <p:nvCxnSpPr>
-          <p:cNvPr id="25" name="꺾인 연결선 24"/>
-          <p:cNvCxnSpPr>
-            <a:stCxn id="13" idx="3"/>
-          </p:cNvCxnSpPr>
-          <p:nvPr/>
-        </p:nvCxnSpPr>
-        <p:spPr>
-          <a:xfrm>
-            <a:off x="2978681" y="1762297"/>
-            <a:ext cx="221670" cy="2313613"/>
-          </a:xfrm>
-          <a:prstGeom prst="bentConnector2">
-            <a:avLst/>
-          </a:prstGeom>
-          <a:ln>
-            <a:solidFill>
-              <a:schemeClr val="tx1"/>
-            </a:solidFill>
-            <a:tailEnd type="triangle"/>
-          </a:ln>
-        </p:spPr>
-        <p:style>
-          <a:lnRef idx="1">
-            <a:schemeClr val="accent1"/>
-          </a:lnRef>
-          <a:fillRef idx="0">
-            <a:schemeClr val="accent1"/>
-          </a:fillRef>
-          <a:effectRef idx="0">
-            <a:schemeClr val="accent1"/>
-          </a:effectRef>
-          <a:fontRef idx="minor">
-            <a:schemeClr val="tx1"/>
-          </a:fontRef>
-        </p:style>
-      </p:cxnSp>
-      <p:sp>
-        <p:nvSpPr>
-          <p:cNvPr id="46" name="순서도: 가산 접합 45"/>
-          <p:cNvSpPr/>
-          <p:nvPr/>
-        </p:nvSpPr>
-        <p:spPr>
-          <a:xfrm>
-            <a:off x="6357108" y="748145"/>
-            <a:ext cx="537843" cy="541837"/>
-          </a:xfrm>
-          <a:prstGeom prst="flowChartSummingJunction">
-            <a:avLst/>
-          </a:prstGeom>
-          <a:noFill/>
-          <a:ln>
-            <a:solidFill>
-              <a:schemeClr val="tx1"/>
-            </a:solidFill>
-          </a:ln>
-        </p:spPr>
-        <p:style>
-          <a:lnRef idx="2">
-            <a:schemeClr val="accent1">
-              <a:shade val="50000"/>
-            </a:schemeClr>
-          </a:lnRef>
-          <a:fillRef idx="1">
-            <a:schemeClr val="accent1"/>
-          </a:fillRef>
-          <a:effectRef idx="0">
-            <a:schemeClr val="accent1"/>
-          </a:effectRef>
-          <a:fontRef idx="minor">
-            <a:schemeClr val="lt1"/>
-          </a:fontRef>
-        </p:style>
-        <p:txBody>
-          <a:bodyPr rtlCol="0" anchor="ctr"/>
-          <a:lstStyle/>
-          <a:p>
-            <a:pPr algn="ctr"/>
-            <a:endParaRPr lang="ko-KR" altLang="en-US"/>
-          </a:p>
-        </p:txBody>
-      </p:sp>
-      <p:sp>
-        <p:nvSpPr>
-          <p:cNvPr id="47" name="순서도: 가산 접합 46"/>
-          <p:cNvSpPr/>
-          <p:nvPr/>
-        </p:nvSpPr>
-        <p:spPr>
-          <a:xfrm>
-            <a:off x="6357108" y="2188697"/>
-            <a:ext cx="537843" cy="541837"/>
-          </a:xfrm>
-          <a:prstGeom prst="flowChartSummingJunction">
-            <a:avLst/>
-          </a:prstGeom>
-          <a:noFill/>
-          <a:ln>
-            <a:solidFill>
-              <a:schemeClr val="tx1"/>
-            </a:solidFill>
-          </a:ln>
-        </p:spPr>
-        <p:style>
-          <a:lnRef idx="2">
-            <a:schemeClr val="accent1">
-              <a:shade val="50000"/>
-            </a:schemeClr>
-          </a:lnRef>
-          <a:fillRef idx="1">
-            <a:schemeClr val="accent1"/>
-          </a:fillRef>
-          <a:effectRef idx="0">
-            <a:schemeClr val="accent1"/>
-          </a:effectRef>
-          <a:fontRef idx="minor">
-            <a:schemeClr val="lt1"/>
-          </a:fontRef>
-        </p:style>
-        <p:txBody>
-          <a:bodyPr rtlCol="0" anchor="ctr"/>
-          <a:lstStyle/>
-          <a:p>
-            <a:pPr algn="ctr"/>
-            <a:endParaRPr lang="ko-KR" altLang="en-US"/>
-          </a:p>
-        </p:txBody>
-      </p:sp>
-      <p:sp>
-        <p:nvSpPr>
-          <p:cNvPr id="48" name="순서도: 가산 접합 47"/>
-          <p:cNvSpPr/>
-          <p:nvPr/>
-        </p:nvSpPr>
-        <p:spPr>
-          <a:xfrm>
-            <a:off x="6357108" y="3629250"/>
-            <a:ext cx="537843" cy="541837"/>
-          </a:xfrm>
-          <a:prstGeom prst="flowChartSummingJunction">
-            <a:avLst/>
-          </a:prstGeom>
-          <a:noFill/>
-          <a:ln>
-            <a:solidFill>
-              <a:schemeClr val="tx1"/>
-            </a:solidFill>
-          </a:ln>
-        </p:spPr>
-        <p:style>
-          <a:lnRef idx="2">
-            <a:schemeClr val="accent1">
-              <a:shade val="50000"/>
-            </a:schemeClr>
-          </a:lnRef>
-          <a:fillRef idx="1">
-            <a:schemeClr val="accent1"/>
-          </a:fillRef>
-          <a:effectRef idx="0">
-            <a:schemeClr val="accent1"/>
-          </a:effectRef>
-          <a:fontRef idx="minor">
-            <a:schemeClr val="lt1"/>
-          </a:fontRef>
-        </p:style>
-        <p:txBody>
-          <a:bodyPr rtlCol="0" anchor="ctr"/>
-          <a:lstStyle/>
-          <a:p>
-            <a:pPr algn="ctr"/>
-            <a:endParaRPr lang="ko-KR" altLang="en-US"/>
-          </a:p>
-        </p:txBody>
-      </p:sp>
-      <p:sp>
-        <p:nvSpPr>
-          <p:cNvPr id="49" name="TextBox 48"/>
-          <p:cNvSpPr txBox="1"/>
-          <p:nvPr/>
-        </p:nvSpPr>
-        <p:spPr>
-          <a:xfrm>
-            <a:off x="9533467" y="5934033"/>
-            <a:ext cx="1751845" cy="338554"/>
-          </a:xfrm>
-          <a:prstGeom prst="rect">
-            <a:avLst/>
-          </a:prstGeom>
-          <a:noFill/>
-        </p:spPr>
-        <p:txBody>
-          <a:bodyPr wrap="square" rtlCol="0">
-            <a:spAutoFit/>
-          </a:bodyPr>
-          <a:lstStyle/>
-          <a:p>
-            <a:r>
-              <a:rPr lang="en-US" altLang="ko-KR" sz="1600" dirty="0" smtClean="0"/>
-              <a:t>Lock-in Amplifier</a:t>
-            </a:r>
-            <a:endParaRPr lang="ko-KR" altLang="en-US" sz="1600" dirty="0"/>
-          </a:p>
-        </p:txBody>
-      </p:sp>
-      <p:cxnSp>
-        <p:nvCxnSpPr>
-          <p:cNvPr id="51" name="꺾인 연결선 50"/>
-          <p:cNvCxnSpPr>
-            <a:endCxn id="46" idx="2"/>
-          </p:cNvCxnSpPr>
-          <p:nvPr/>
-        </p:nvCxnSpPr>
-        <p:spPr>
-          <a:xfrm>
-            <a:off x="5052405" y="748144"/>
-            <a:ext cx="1304703" cy="270920"/>
-          </a:xfrm>
-          <a:prstGeom prst="bentConnector3">
-            <a:avLst>
-              <a:gd name="adj1" fmla="val 7170"/>
-            </a:avLst>
-          </a:prstGeom>
-          <a:ln>
-            <a:tailEnd type="triangle"/>
-          </a:ln>
-        </p:spPr>
-        <p:style>
-          <a:lnRef idx="1">
-            <a:schemeClr val="dk1"/>
-          </a:lnRef>
-          <a:fillRef idx="0">
-            <a:schemeClr val="dk1"/>
-          </a:fillRef>
-          <a:effectRef idx="0">
-            <a:schemeClr val="dk1"/>
-          </a:effectRef>
-          <a:fontRef idx="minor">
-            <a:schemeClr val="tx1"/>
-          </a:fontRef>
-        </p:style>
-      </p:cxnSp>
-      <p:cxnSp>
-        <p:nvCxnSpPr>
-          <p:cNvPr id="53" name="꺾인 연결선 52"/>
-          <p:cNvCxnSpPr>
-            <a:endCxn id="47" idx="2"/>
-          </p:cNvCxnSpPr>
-          <p:nvPr/>
-        </p:nvCxnSpPr>
-        <p:spPr>
-          <a:xfrm rot="16200000" flipH="1">
-            <a:off x="4896685" y="999192"/>
-            <a:ext cx="1711471" cy="1209376"/>
-          </a:xfrm>
-          <a:prstGeom prst="bentConnector2">
-            <a:avLst/>
-          </a:prstGeom>
-          <a:ln>
-            <a:tailEnd type="triangle"/>
-          </a:ln>
-        </p:spPr>
-        <p:style>
-          <a:lnRef idx="1">
-            <a:schemeClr val="dk1"/>
-          </a:lnRef>
-          <a:fillRef idx="0">
-            <a:schemeClr val="dk1"/>
-          </a:fillRef>
-          <a:effectRef idx="0">
-            <a:schemeClr val="dk1"/>
-          </a:effectRef>
-          <a:fontRef idx="minor">
-            <a:schemeClr val="tx1"/>
-          </a:fontRef>
-        </p:style>
-      </p:cxnSp>
-      <p:cxnSp>
-        <p:nvCxnSpPr>
-          <p:cNvPr id="56" name="꺾인 연결선 55"/>
-          <p:cNvCxnSpPr>
-            <a:endCxn id="48" idx="2"/>
-          </p:cNvCxnSpPr>
-          <p:nvPr/>
-        </p:nvCxnSpPr>
-        <p:spPr>
-          <a:xfrm rot="16200000" flipH="1">
-            <a:off x="5032143" y="2575204"/>
-            <a:ext cx="1440554" cy="1209375"/>
-          </a:xfrm>
-          <a:prstGeom prst="bentConnector2">
-            <a:avLst/>
-          </a:prstGeom>
-          <a:ln>
-            <a:tailEnd type="triangle"/>
-          </a:ln>
-        </p:spPr>
-        <p:style>
-          <a:lnRef idx="1">
-            <a:schemeClr val="dk1"/>
-          </a:lnRef>
-          <a:fillRef idx="0">
-            <a:schemeClr val="dk1"/>
-          </a:fillRef>
-          <a:effectRef idx="0">
-            <a:schemeClr val="dk1"/>
-          </a:effectRef>
-          <a:fontRef idx="minor">
-            <a:schemeClr val="tx1"/>
-          </a:fontRef>
-        </p:style>
-      </p:cxnSp>
       <p:grpSp>
         <p:nvGrpSpPr>
-          <p:cNvPr id="70" name="그룹 69"/>
+          <p:cNvPr id="20" name="그룹 19"/>
           <p:cNvGrpSpPr/>
           <p:nvPr/>
         </p:nvGrpSpPr>
         <p:grpSpPr>
           <a:xfrm>
-            <a:off x="7936891" y="674045"/>
-            <a:ext cx="1437894" cy="690036"/>
-            <a:chOff x="7375906" y="838200"/>
-            <a:chExt cx="1437894" cy="690036"/>
+            <a:off x="-60729" y="413576"/>
+            <a:ext cx="11837131" cy="5870846"/>
+            <a:chOff x="-60729" y="413576"/>
+            <a:chExt cx="11837131" cy="5870846"/>
           </a:xfrm>
         </p:grpSpPr>
         <p:sp>
           <p:nvSpPr>
-            <p:cNvPr id="62" name="직사각형 61"/>
+            <p:cNvPr id="4" name="직사각형 3"/>
             <p:cNvSpPr/>
             <p:nvPr/>
           </p:nvSpPr>
           <p:spPr>
             <a:xfrm>
-              <a:off x="7382933" y="838200"/>
-              <a:ext cx="1430867" cy="685800"/>
+              <a:off x="2556933" y="473826"/>
+              <a:ext cx="8723438" cy="5810596"/>
             </a:xfrm>
             <a:prstGeom prst="rect">
               <a:avLst/>
@@ -3926,33 +3031,31 @@
         </p:sp>
         <p:cxnSp>
           <p:nvCxnSpPr>
-            <p:cNvPr id="64" name="직선 연결선 63"/>
+            <p:cNvPr id="6" name="직선 화살표 연결선 5"/>
             <p:cNvCxnSpPr/>
             <p:nvPr/>
           </p:nvCxnSpPr>
           <p:spPr>
             <a:xfrm>
-              <a:off x="7729387" y="1019064"/>
-              <a:ext cx="440946" cy="0"/>
+              <a:off x="1409777" y="748145"/>
+              <a:ext cx="1147156" cy="0"/>
             </a:xfrm>
-            <a:prstGeom prst="line">
+            <a:prstGeom prst="straightConnector1">
               <a:avLst/>
             </a:prstGeom>
             <a:ln>
-              <a:solidFill>
-                <a:schemeClr val="tx1"/>
-              </a:solidFill>
+              <a:tailEnd type="triangle"/>
             </a:ln>
           </p:spPr>
           <p:style>
             <a:lnRef idx="1">
-              <a:schemeClr val="accent1"/>
+              <a:schemeClr val="dk1"/>
             </a:lnRef>
             <a:fillRef idx="0">
-              <a:schemeClr val="accent1"/>
+              <a:schemeClr val="dk1"/>
             </a:fillRef>
             <a:effectRef idx="0">
-              <a:schemeClr val="accent1"/>
+              <a:schemeClr val="dk1"/>
             </a:effectRef>
             <a:fontRef idx="minor">
               <a:schemeClr val="tx1"/>
@@ -3961,33 +3064,64 @@
         </p:cxnSp>
         <p:cxnSp>
           <p:nvCxnSpPr>
-            <p:cNvPr id="65" name="직선 연결선 64"/>
+            <p:cNvPr id="7" name="직선 화살표 연결선 6"/>
             <p:cNvCxnSpPr/>
             <p:nvPr/>
           </p:nvCxnSpPr>
           <p:spPr>
             <a:xfrm>
-              <a:off x="8170333" y="1015187"/>
-              <a:ext cx="304800" cy="222537"/>
+              <a:off x="1409777" y="1255221"/>
+              <a:ext cx="1147156" cy="0"/>
             </a:xfrm>
-            <a:prstGeom prst="line">
+            <a:prstGeom prst="straightConnector1">
               <a:avLst/>
             </a:prstGeom>
             <a:ln>
-              <a:solidFill>
-                <a:schemeClr val="tx1"/>
-              </a:solidFill>
+              <a:tailEnd type="triangle"/>
             </a:ln>
           </p:spPr>
           <p:style>
             <a:lnRef idx="1">
-              <a:schemeClr val="accent1"/>
+              <a:schemeClr val="dk1"/>
             </a:lnRef>
             <a:fillRef idx="0">
-              <a:schemeClr val="accent1"/>
+              <a:schemeClr val="dk1"/>
             </a:fillRef>
             <a:effectRef idx="0">
-              <a:schemeClr val="accent1"/>
+              <a:schemeClr val="dk1"/>
+            </a:effectRef>
+            <a:fontRef idx="minor">
+              <a:schemeClr val="tx1"/>
+            </a:fontRef>
+          </p:style>
+        </p:cxnSp>
+        <p:cxnSp>
+          <p:nvCxnSpPr>
+            <p:cNvPr id="8" name="직선 화살표 연결선 7"/>
+            <p:cNvCxnSpPr/>
+            <p:nvPr/>
+          </p:nvCxnSpPr>
+          <p:spPr>
+            <a:xfrm>
+              <a:off x="1409777" y="1762297"/>
+              <a:ext cx="1147156" cy="0"/>
+            </a:xfrm>
+            <a:prstGeom prst="straightConnector1">
+              <a:avLst/>
+            </a:prstGeom>
+            <a:ln>
+              <a:tailEnd type="triangle"/>
+            </a:ln>
+          </p:spPr>
+          <p:style>
+            <a:lnRef idx="1">
+              <a:schemeClr val="dk1"/>
+            </a:lnRef>
+            <a:fillRef idx="0">
+              <a:schemeClr val="dk1"/>
+            </a:fillRef>
+            <a:effectRef idx="0">
+              <a:schemeClr val="dk1"/>
             </a:effectRef>
             <a:fontRef idx="minor">
               <a:schemeClr val="tx1"/>
@@ -3996,14 +3130,14 @@
         </p:cxnSp>
         <p:sp>
           <p:nvSpPr>
-            <p:cNvPr id="69" name="TextBox 68"/>
+            <p:cNvPr id="9" name="TextBox 8"/>
             <p:cNvSpPr txBox="1"/>
             <p:nvPr/>
           </p:nvSpPr>
           <p:spPr>
             <a:xfrm>
-              <a:off x="7375906" y="1189682"/>
-              <a:ext cx="499985" cy="338554"/>
+              <a:off x="960889" y="413576"/>
+              <a:ext cx="1418244" cy="338554"/>
             </a:xfrm>
             <a:prstGeom prst="rect">
               <a:avLst/>
@@ -4018,73 +3152,288 @@
             <a:p>
               <a:r>
                 <a:rPr lang="en-US" altLang="ko-KR" sz="1600" dirty="0" smtClean="0"/>
-                <a:t>LPF</a:t>
+                <a:t>THz Detector</a:t>
               </a:r>
               <a:endParaRPr lang="ko-KR" altLang="en-US" sz="1600" dirty="0"/>
             </a:p>
           </p:txBody>
         </p:sp>
-      </p:grpSp>
-      <p:cxnSp>
-        <p:nvCxnSpPr>
-          <p:cNvPr id="71" name="직선 화살표 연결선 70"/>
-          <p:cNvCxnSpPr>
-            <a:stCxn id="46" idx="6"/>
-            <a:endCxn id="62" idx="1"/>
-          </p:cNvCxnSpPr>
-          <p:nvPr/>
-        </p:nvCxnSpPr>
-        <p:spPr>
-          <a:xfrm flipV="1">
-            <a:off x="6894951" y="1016945"/>
-            <a:ext cx="1048967" cy="2119"/>
-          </a:xfrm>
-          <a:prstGeom prst="straightConnector1">
-            <a:avLst/>
-          </a:prstGeom>
-          <a:ln>
-            <a:tailEnd type="triangle"/>
-          </a:ln>
-        </p:spPr>
-        <p:style>
-          <a:lnRef idx="1">
-            <a:schemeClr val="dk1"/>
-          </a:lnRef>
-          <a:fillRef idx="0">
-            <a:schemeClr val="dk1"/>
-          </a:fillRef>
-          <a:effectRef idx="0">
-            <a:schemeClr val="dk1"/>
-          </a:effectRef>
-          <a:fontRef idx="minor">
-            <a:schemeClr val="tx1"/>
-          </a:fontRef>
-        </p:style>
-      </p:cxnSp>
-      <p:grpSp>
-        <p:nvGrpSpPr>
-          <p:cNvPr id="74" name="그룹 73"/>
-          <p:cNvGrpSpPr/>
-          <p:nvPr/>
-        </p:nvGrpSpPr>
-        <p:grpSpPr>
-          <a:xfrm>
-            <a:off x="7936891" y="2114598"/>
-            <a:ext cx="1437894" cy="690036"/>
-            <a:chOff x="7375906" y="838200"/>
-            <a:chExt cx="1437894" cy="690036"/>
-          </a:xfrm>
-        </p:grpSpPr>
         <p:sp>
           <p:nvSpPr>
-            <p:cNvPr id="75" name="직사각형 74"/>
+            <p:cNvPr id="10" name="TextBox 9"/>
+            <p:cNvSpPr txBox="1"/>
+            <p:nvPr/>
+          </p:nvSpPr>
+          <p:spPr>
+            <a:xfrm>
+              <a:off x="-60729" y="912683"/>
+              <a:ext cx="2528762" cy="338554"/>
+            </a:xfrm>
+            <a:prstGeom prst="rect">
+              <a:avLst/>
+            </a:prstGeom>
+            <a:noFill/>
+          </p:spPr>
+          <p:txBody>
+            <a:bodyPr wrap="square" rtlCol="0">
+              <a:spAutoFit/>
+            </a:bodyPr>
+            <a:lstStyle/>
+            <a:p>
+              <a:r>
+                <a:rPr lang="en-US" altLang="ko-KR" sz="1600" dirty="0" smtClean="0"/>
+                <a:t>Tip oscillation amplitude</a:t>
+              </a:r>
+              <a:endParaRPr lang="ko-KR" altLang="en-US" sz="1600" dirty="0"/>
+            </a:p>
+          </p:txBody>
+        </p:sp>
+        <p:sp>
+          <p:nvSpPr>
+            <p:cNvPr id="11" name="TextBox 10"/>
+            <p:cNvSpPr txBox="1"/>
+            <p:nvPr/>
+          </p:nvSpPr>
+          <p:spPr>
+            <a:xfrm>
+              <a:off x="663170" y="1423743"/>
+              <a:ext cx="1715963" cy="338554"/>
+            </a:xfrm>
+            <a:prstGeom prst="rect">
+              <a:avLst/>
+            </a:prstGeom>
+            <a:noFill/>
+          </p:spPr>
+          <p:txBody>
+            <a:bodyPr wrap="square" rtlCol="0">
+              <a:spAutoFit/>
+            </a:bodyPr>
+            <a:lstStyle/>
+            <a:p>
+              <a:r>
+                <a:rPr lang="en-US" altLang="ko-KR" sz="1600" dirty="0" smtClean="0"/>
+                <a:t>Optical Chopper</a:t>
+              </a:r>
+              <a:endParaRPr lang="ko-KR" altLang="en-US" sz="1600" dirty="0"/>
+            </a:p>
+          </p:txBody>
+        </p:sp>
+        <mc:AlternateContent xmlns:mc="http://schemas.openxmlformats.org/markup-compatibility/2006">
+          <mc:Choice xmlns:a14="http://schemas.microsoft.com/office/drawing/2010/main" Requires="a14">
+            <p:sp>
+              <p:nvSpPr>
+                <p:cNvPr id="12" name="TextBox 11"/>
+                <p:cNvSpPr txBox="1"/>
+                <p:nvPr/>
+              </p:nvSpPr>
+              <p:spPr>
+                <a:xfrm>
+                  <a:off x="2645833" y="1081960"/>
+                  <a:ext cx="263149" cy="276999"/>
+                </a:xfrm>
+                <a:prstGeom prst="rect">
+                  <a:avLst/>
+                </a:prstGeom>
+                <a:noFill/>
+              </p:spPr>
+              <p:txBody>
+                <a:bodyPr wrap="none" lIns="0" tIns="0" rIns="0" bIns="0" rtlCol="0">
+                  <a:spAutoFit/>
+                </a:bodyPr>
+                <a:lstStyle/>
+                <a:p>
+                  <a:pPr/>
+                  <a14:m>
+                    <m:oMathPara xmlns:m="http://schemas.openxmlformats.org/officeDocument/2006/math">
+                      <m:oMathParaPr>
+                        <m:jc m:val="centerGroup"/>
+                      </m:oMathParaPr>
+                      <m:oMath xmlns:m="http://schemas.openxmlformats.org/officeDocument/2006/math">
+                        <m:sSub>
+                          <m:sSubPr>
+                            <m:ctrlPr>
+                              <a:rPr lang="en-US" altLang="ko-KR" b="0" i="1" smtClean="0">
+                                <a:latin typeface="Cambria Math" panose="02040503050406030204" pitchFamily="18" charset="0"/>
+                              </a:rPr>
+                            </m:ctrlPr>
+                          </m:sSubPr>
+                          <m:e>
+                            <m:r>
+                              <a:rPr lang="en-US" altLang="ko-KR" b="0" i="1" smtClean="0">
+                                <a:latin typeface="Cambria Math" panose="02040503050406030204" pitchFamily="18" charset="0"/>
+                              </a:rPr>
+                              <m:t>𝑓</m:t>
+                            </m:r>
+                          </m:e>
+                          <m:sub>
+                            <m:r>
+                              <a:rPr lang="en-US" altLang="ko-KR" b="0" i="1" smtClean="0">
+                                <a:latin typeface="Cambria Math" panose="02040503050406030204" pitchFamily="18" charset="0"/>
+                              </a:rPr>
+                              <m:t>𝑐</m:t>
+                            </m:r>
+                          </m:sub>
+                        </m:sSub>
+                      </m:oMath>
+                    </m:oMathPara>
+                  </a14:m>
+                  <a:endParaRPr lang="ko-KR" altLang="en-US" dirty="0"/>
+                </a:p>
+              </p:txBody>
+            </p:sp>
+          </mc:Choice>
+          <mc:Fallback>
+            <p:sp>
+              <p:nvSpPr>
+                <p:cNvPr id="12" name="TextBox 11"/>
+                <p:cNvSpPr txBox="1">
+                  <a:spLocks noRot="1" noChangeAspect="1" noMove="1" noResize="1" noEditPoints="1" noAdjustHandles="1" noChangeArrowheads="1" noChangeShapeType="1" noTextEdit="1"/>
+                </p:cNvSpPr>
+                <p:nvPr/>
+              </p:nvSpPr>
+              <p:spPr>
+                <a:xfrm>
+                  <a:off x="2645833" y="1081960"/>
+                  <a:ext cx="263149" cy="276999"/>
+                </a:xfrm>
+                <a:prstGeom prst="rect">
+                  <a:avLst/>
+                </a:prstGeom>
+                <a:blipFill>
+                  <a:blip r:embed="rId2"/>
+                  <a:stretch>
+                    <a:fillRect l="-25581" r="-6977" b="-36957"/>
+                  </a:stretch>
+                </a:blipFill>
+              </p:spPr>
+              <p:txBody>
+                <a:bodyPr/>
+                <a:lstStyle/>
+                <a:p>
+                  <a:r>
+                    <a:rPr lang="ko-KR" altLang="en-US">
+                      <a:noFill/>
+                    </a:rPr>
+                    <a:t> </a:t>
+                  </a:r>
+                </a:p>
+              </p:txBody>
+            </p:sp>
+          </mc:Fallback>
+        </mc:AlternateContent>
+        <mc:AlternateContent xmlns:mc="http://schemas.openxmlformats.org/markup-compatibility/2006">
+          <mc:Choice xmlns:a14="http://schemas.microsoft.com/office/drawing/2010/main" Requires="a14">
+            <p:sp>
+              <p:nvSpPr>
+                <p:cNvPr id="13" name="TextBox 12"/>
+                <p:cNvSpPr txBox="1"/>
+                <p:nvPr/>
+              </p:nvSpPr>
+              <p:spPr>
+                <a:xfrm>
+                  <a:off x="2645833" y="1623797"/>
+                  <a:ext cx="332848" cy="276999"/>
+                </a:xfrm>
+                <a:prstGeom prst="rect">
+                  <a:avLst/>
+                </a:prstGeom>
+                <a:noFill/>
+              </p:spPr>
+              <p:txBody>
+                <a:bodyPr wrap="none" lIns="0" tIns="0" rIns="0" bIns="0" rtlCol="0">
+                  <a:spAutoFit/>
+                </a:bodyPr>
+                <a:lstStyle/>
+                <a:p>
+                  <a:pPr/>
+                  <a14:m>
+                    <m:oMathPara xmlns:m="http://schemas.openxmlformats.org/officeDocument/2006/math">
+                      <m:oMathParaPr>
+                        <m:jc m:val="centerGroup"/>
+                      </m:oMathParaPr>
+                      <m:oMath xmlns:m="http://schemas.openxmlformats.org/officeDocument/2006/math">
+                        <m:sSub>
+                          <m:sSubPr>
+                            <m:ctrlPr>
+                              <a:rPr lang="en-US" altLang="ko-KR" b="0" i="1" smtClean="0">
+                                <a:latin typeface="Cambria Math" panose="02040503050406030204" pitchFamily="18" charset="0"/>
+                              </a:rPr>
+                            </m:ctrlPr>
+                          </m:sSubPr>
+                          <m:e>
+                            <m:r>
+                              <a:rPr lang="en-US" altLang="ko-KR" b="0" i="1" smtClean="0">
+                                <a:latin typeface="Cambria Math" panose="02040503050406030204" pitchFamily="18" charset="0"/>
+                              </a:rPr>
+                              <m:t>𝑓</m:t>
+                            </m:r>
+                          </m:e>
+                          <m:sub>
+                            <m:r>
+                              <a:rPr lang="en-US" altLang="ko-KR" b="0" i="1" smtClean="0">
+                                <a:latin typeface="Cambria Math" panose="02040503050406030204" pitchFamily="18" charset="0"/>
+                              </a:rPr>
+                              <m:t>𝑚</m:t>
+                            </m:r>
+                          </m:sub>
+                        </m:sSub>
+                      </m:oMath>
+                    </m:oMathPara>
+                  </a14:m>
+                  <a:endParaRPr lang="ko-KR" altLang="en-US" dirty="0"/>
+                </a:p>
+              </p:txBody>
+            </p:sp>
+          </mc:Choice>
+          <mc:Fallback>
+            <p:sp>
+              <p:nvSpPr>
+                <p:cNvPr id="13" name="TextBox 12"/>
+                <p:cNvSpPr txBox="1">
+                  <a:spLocks noRot="1" noChangeAspect="1" noMove="1" noResize="1" noEditPoints="1" noAdjustHandles="1" noChangeArrowheads="1" noChangeShapeType="1" noTextEdit="1"/>
+                </p:cNvSpPr>
+                <p:nvPr/>
+              </p:nvSpPr>
+              <p:spPr>
+                <a:xfrm>
+                  <a:off x="2645833" y="1623797"/>
+                  <a:ext cx="332848" cy="276999"/>
+                </a:xfrm>
+                <a:prstGeom prst="rect">
+                  <a:avLst/>
+                </a:prstGeom>
+                <a:blipFill>
+                  <a:blip r:embed="rId3"/>
+                  <a:stretch>
+                    <a:fillRect l="-20000" b="-36957"/>
+                  </a:stretch>
+                </a:blipFill>
+              </p:spPr>
+              <p:txBody>
+                <a:bodyPr/>
+                <a:lstStyle/>
+                <a:p>
+                  <a:r>
+                    <a:rPr lang="ko-KR" altLang="en-US">
+                      <a:noFill/>
+                    </a:rPr>
+                    <a:t> </a:t>
+                  </a:r>
+                </a:p>
+              </p:txBody>
+            </p:sp>
+          </mc:Fallback>
+        </mc:AlternateContent>
+        <p:sp>
+          <p:nvSpPr>
+            <p:cNvPr id="14" name="직사각형 13"/>
             <p:cNvSpPr/>
             <p:nvPr/>
           </p:nvSpPr>
           <p:spPr>
             <a:xfrm>
-              <a:off x="7382933" y="838200"/>
-              <a:ext cx="1430867" cy="685800"/>
+              <a:off x="3696382" y="581136"/>
+              <a:ext cx="1384373" cy="4583531"/>
             </a:xfrm>
             <a:prstGeom prst="rect">
               <a:avLst/>
@@ -4121,24 +3470,91 @@
             </a:p>
           </p:txBody>
         </p:sp>
+        <p:sp>
+          <p:nvSpPr>
+            <p:cNvPr id="15" name="TextBox 14"/>
+            <p:cNvSpPr txBox="1"/>
+            <p:nvPr/>
+          </p:nvSpPr>
+          <p:spPr>
+            <a:xfrm>
+              <a:off x="3642173" y="4803507"/>
+              <a:ext cx="1505559" cy="338554"/>
+            </a:xfrm>
+            <a:prstGeom prst="rect">
+              <a:avLst/>
+            </a:prstGeom>
+            <a:noFill/>
+          </p:spPr>
+          <p:txBody>
+            <a:bodyPr wrap="square" rtlCol="0">
+              <a:spAutoFit/>
+            </a:bodyPr>
+            <a:lstStyle/>
+            <a:p>
+              <a:r>
+                <a:rPr lang="en-US" altLang="ko-KR" sz="1600" dirty="0" smtClean="0"/>
+                <a:t>MOD function</a:t>
+              </a:r>
+              <a:endParaRPr lang="ko-KR" altLang="en-US" sz="1600" dirty="0"/>
+            </a:p>
+          </p:txBody>
+        </p:sp>
         <p:cxnSp>
           <p:nvCxnSpPr>
-            <p:cNvPr id="76" name="직선 연결선 75"/>
+            <p:cNvPr id="22" name="직선 화살표 연결선 21"/>
             <p:cNvCxnSpPr/>
             <p:nvPr/>
           </p:nvCxnSpPr>
           <p:spPr>
             <a:xfrm>
-              <a:off x="7729387" y="1019064"/>
-              <a:ext cx="440946" cy="0"/>
+              <a:off x="2791383" y="751223"/>
+              <a:ext cx="904999" cy="0"/>
             </a:xfrm>
-            <a:prstGeom prst="line">
+            <a:prstGeom prst="straightConnector1">
+              <a:avLst/>
+            </a:prstGeom>
+            <a:ln>
+              <a:tailEnd type="triangle"/>
+            </a:ln>
+          </p:spPr>
+          <p:style>
+            <a:lnRef idx="1">
+              <a:schemeClr val="dk1"/>
+            </a:lnRef>
+            <a:fillRef idx="0">
+              <a:schemeClr val="dk1"/>
+            </a:fillRef>
+            <a:effectRef idx="0">
+              <a:schemeClr val="dk1"/>
+            </a:effectRef>
+            <a:fontRef idx="minor">
+              <a:schemeClr val="tx1"/>
+            </a:fontRef>
+          </p:style>
+        </p:cxnSp>
+        <p:cxnSp>
+          <p:nvCxnSpPr>
+            <p:cNvPr id="24" name="꺾인 연결선 23"/>
+            <p:cNvCxnSpPr>
+              <a:stCxn id="12" idx="3"/>
+              <a:endCxn id="14" idx="1"/>
+            </p:cNvCxnSpPr>
+            <p:nvPr/>
+          </p:nvCxnSpPr>
+          <p:spPr>
+            <a:xfrm>
+              <a:off x="2908982" y="1220460"/>
+              <a:ext cx="787400" cy="1652442"/>
+            </a:xfrm>
+            <a:prstGeom prst="bentConnector3">
               <a:avLst/>
             </a:prstGeom>
             <a:ln>
               <a:solidFill>
                 <a:schemeClr val="tx1"/>
               </a:solidFill>
+              <a:tailEnd type="triangle"/>
             </a:ln>
           </p:spPr>
           <p:style>
@@ -4158,22 +3574,28 @@
         </p:cxnSp>
         <p:cxnSp>
           <p:nvCxnSpPr>
-            <p:cNvPr id="77" name="직선 연결선 76"/>
-            <p:cNvCxnSpPr/>
+            <p:cNvPr id="25" name="꺾인 연결선 24"/>
+            <p:cNvCxnSpPr>
+              <a:stCxn id="13" idx="3"/>
+              <a:endCxn id="15" idx="1"/>
+            </p:cNvCxnSpPr>
             <p:nvPr/>
           </p:nvCxnSpPr>
           <p:spPr>
             <a:xfrm>
-              <a:off x="8170333" y="1015187"/>
-              <a:ext cx="304800" cy="222537"/>
+              <a:off x="2978681" y="1762297"/>
+              <a:ext cx="663492" cy="3210487"/>
             </a:xfrm>
-            <a:prstGeom prst="line">
-              <a:avLst/>
+            <a:prstGeom prst="bentConnector3">
+              <a:avLst>
+                <a:gd name="adj1" fmla="val 50000"/>
+              </a:avLst>
             </a:prstGeom>
             <a:ln>
               <a:solidFill>
                 <a:schemeClr val="tx1"/>
               </a:solidFill>
+              <a:tailEnd type="triangle"/>
             </a:ln>
           </p:spPr>
           <p:style>
@@ -4193,14 +3615,152 @@
         </p:cxnSp>
         <p:sp>
           <p:nvSpPr>
-            <p:cNvPr id="78" name="TextBox 77"/>
+            <p:cNvPr id="46" name="순서도: 가산 접합 45"/>
+            <p:cNvSpPr/>
+            <p:nvPr/>
+          </p:nvSpPr>
+          <p:spPr>
+            <a:xfrm>
+              <a:off x="6357108" y="748145"/>
+              <a:ext cx="537843" cy="541837"/>
+            </a:xfrm>
+            <a:prstGeom prst="flowChartSummingJunction">
+              <a:avLst/>
+            </a:prstGeom>
+            <a:noFill/>
+            <a:ln>
+              <a:solidFill>
+                <a:schemeClr val="tx1"/>
+              </a:solidFill>
+            </a:ln>
+          </p:spPr>
+          <p:style>
+            <a:lnRef idx="2">
+              <a:schemeClr val="accent1">
+                <a:shade val="50000"/>
+              </a:schemeClr>
+            </a:lnRef>
+            <a:fillRef idx="1">
+              <a:schemeClr val="accent1"/>
+            </a:fillRef>
+            <a:effectRef idx="0">
+              <a:schemeClr val="accent1"/>
+            </a:effectRef>
+            <a:fontRef idx="minor">
+              <a:schemeClr val="lt1"/>
+            </a:fontRef>
+          </p:style>
+          <p:txBody>
+            <a:bodyPr rtlCol="0" anchor="ctr"/>
+            <a:lstStyle/>
+            <a:p>
+              <a:pPr algn="ctr"/>
+              <a:endParaRPr lang="ko-KR" altLang="en-US"/>
+            </a:p>
+          </p:txBody>
+        </p:sp>
+        <p:sp>
+          <p:nvSpPr>
+            <p:cNvPr id="47" name="순서도: 가산 접합 46"/>
+            <p:cNvSpPr/>
+            <p:nvPr/>
+          </p:nvSpPr>
+          <p:spPr>
+            <a:xfrm>
+              <a:off x="6357108" y="2188697"/>
+              <a:ext cx="537843" cy="541837"/>
+            </a:xfrm>
+            <a:prstGeom prst="flowChartSummingJunction">
+              <a:avLst/>
+            </a:prstGeom>
+            <a:noFill/>
+            <a:ln>
+              <a:solidFill>
+                <a:schemeClr val="tx1"/>
+              </a:solidFill>
+            </a:ln>
+          </p:spPr>
+          <p:style>
+            <a:lnRef idx="2">
+              <a:schemeClr val="accent1">
+                <a:shade val="50000"/>
+              </a:schemeClr>
+            </a:lnRef>
+            <a:fillRef idx="1">
+              <a:schemeClr val="accent1"/>
+            </a:fillRef>
+            <a:effectRef idx="0">
+              <a:schemeClr val="accent1"/>
+            </a:effectRef>
+            <a:fontRef idx="minor">
+              <a:schemeClr val="lt1"/>
+            </a:fontRef>
+          </p:style>
+          <p:txBody>
+            <a:bodyPr rtlCol="0" anchor="ctr"/>
+            <a:lstStyle/>
+            <a:p>
+              <a:pPr algn="ctr"/>
+              <a:endParaRPr lang="ko-KR" altLang="en-US"/>
+            </a:p>
+          </p:txBody>
+        </p:sp>
+        <p:sp>
+          <p:nvSpPr>
+            <p:cNvPr id="48" name="순서도: 가산 접합 47"/>
+            <p:cNvSpPr/>
+            <p:nvPr/>
+          </p:nvSpPr>
+          <p:spPr>
+            <a:xfrm>
+              <a:off x="6357108" y="3629250"/>
+              <a:ext cx="537843" cy="541837"/>
+            </a:xfrm>
+            <a:prstGeom prst="flowChartSummingJunction">
+              <a:avLst/>
+            </a:prstGeom>
+            <a:noFill/>
+            <a:ln>
+              <a:solidFill>
+                <a:schemeClr val="tx1"/>
+              </a:solidFill>
+            </a:ln>
+          </p:spPr>
+          <p:style>
+            <a:lnRef idx="2">
+              <a:schemeClr val="accent1">
+                <a:shade val="50000"/>
+              </a:schemeClr>
+            </a:lnRef>
+            <a:fillRef idx="1">
+              <a:schemeClr val="accent1"/>
+            </a:fillRef>
+            <a:effectRef idx="0">
+              <a:schemeClr val="accent1"/>
+            </a:effectRef>
+            <a:fontRef idx="minor">
+              <a:schemeClr val="lt1"/>
+            </a:fontRef>
+          </p:style>
+          <p:txBody>
+            <a:bodyPr rtlCol="0" anchor="ctr"/>
+            <a:lstStyle/>
+            <a:p>
+              <a:pPr algn="ctr"/>
+              <a:endParaRPr lang="ko-KR" altLang="en-US"/>
+            </a:p>
+          </p:txBody>
+        </p:sp>
+        <p:sp>
+          <p:nvSpPr>
+            <p:cNvPr id="49" name="TextBox 48"/>
             <p:cNvSpPr txBox="1"/>
             <p:nvPr/>
           </p:nvSpPr>
           <p:spPr>
             <a:xfrm>
-              <a:off x="7375906" y="1189682"/>
-              <a:ext cx="499985" cy="338554"/>
+              <a:off x="9533467" y="5934033"/>
+              <a:ext cx="1751845" cy="338554"/>
             </a:xfrm>
             <a:prstGeom prst="rect">
               <a:avLst/>
@@ -4215,73 +3775,1269 @@
             <a:p>
               <a:r>
                 <a:rPr lang="en-US" altLang="ko-KR" sz="1600" dirty="0" smtClean="0"/>
-                <a:t>LPF</a:t>
+                <a:t>Lock-in Amplifier</a:t>
               </a:r>
               <a:endParaRPr lang="ko-KR" altLang="en-US" sz="1600" dirty="0"/>
             </a:p>
           </p:txBody>
         </p:sp>
-      </p:grpSp>
-      <p:cxnSp>
-        <p:nvCxnSpPr>
-          <p:cNvPr id="79" name="직선 화살표 연결선 78"/>
-          <p:cNvCxnSpPr>
-            <a:stCxn id="47" idx="6"/>
-            <a:endCxn id="75" idx="1"/>
-          </p:cNvCxnSpPr>
-          <p:nvPr/>
-        </p:nvCxnSpPr>
-        <p:spPr>
-          <a:xfrm flipV="1">
-            <a:off x="6894951" y="2457498"/>
-            <a:ext cx="1048967" cy="2118"/>
-          </a:xfrm>
-          <a:prstGeom prst="straightConnector1">
-            <a:avLst/>
-          </a:prstGeom>
-          <a:ln>
-            <a:tailEnd type="triangle"/>
-          </a:ln>
-        </p:spPr>
-        <p:style>
-          <a:lnRef idx="1">
-            <a:schemeClr val="dk1"/>
-          </a:lnRef>
-          <a:fillRef idx="0">
-            <a:schemeClr val="dk1"/>
-          </a:fillRef>
-          <a:effectRef idx="0">
-            <a:schemeClr val="dk1"/>
-          </a:effectRef>
-          <a:fontRef idx="minor">
-            <a:schemeClr val="tx1"/>
-          </a:fontRef>
-        </p:style>
-      </p:cxnSp>
-      <p:grpSp>
-        <p:nvGrpSpPr>
-          <p:cNvPr id="84" name="그룹 83"/>
-          <p:cNvGrpSpPr/>
-          <p:nvPr/>
-        </p:nvGrpSpPr>
-        <p:grpSpPr>
-          <a:xfrm>
-            <a:off x="7936891" y="3555151"/>
-            <a:ext cx="1437894" cy="690036"/>
-            <a:chOff x="7375906" y="838200"/>
-            <a:chExt cx="1437894" cy="690036"/>
-          </a:xfrm>
-        </p:grpSpPr>
+        <p:cxnSp>
+          <p:nvCxnSpPr>
+            <p:cNvPr id="51" name="꺾인 연결선 50"/>
+            <p:cNvCxnSpPr>
+              <a:endCxn id="46" idx="2"/>
+            </p:cNvCxnSpPr>
+            <p:nvPr/>
+          </p:nvCxnSpPr>
+          <p:spPr>
+            <a:xfrm>
+              <a:off x="5052405" y="748144"/>
+              <a:ext cx="1304703" cy="270920"/>
+            </a:xfrm>
+            <a:prstGeom prst="bentConnector3">
+              <a:avLst>
+                <a:gd name="adj1" fmla="val 7170"/>
+              </a:avLst>
+            </a:prstGeom>
+            <a:ln>
+              <a:tailEnd type="triangle"/>
+            </a:ln>
+          </p:spPr>
+          <p:style>
+            <a:lnRef idx="1">
+              <a:schemeClr val="dk1"/>
+            </a:lnRef>
+            <a:fillRef idx="0">
+              <a:schemeClr val="dk1"/>
+            </a:fillRef>
+            <a:effectRef idx="0">
+              <a:schemeClr val="dk1"/>
+            </a:effectRef>
+            <a:fontRef idx="minor">
+              <a:schemeClr val="tx1"/>
+            </a:fontRef>
+          </p:style>
+        </p:cxnSp>
+        <p:cxnSp>
+          <p:nvCxnSpPr>
+            <p:cNvPr id="53" name="꺾인 연결선 52"/>
+            <p:cNvCxnSpPr>
+              <a:endCxn id="47" idx="2"/>
+            </p:cNvCxnSpPr>
+            <p:nvPr/>
+          </p:nvCxnSpPr>
+          <p:spPr>
+            <a:xfrm rot="16200000" flipH="1">
+              <a:off x="4896685" y="999192"/>
+              <a:ext cx="1711471" cy="1209376"/>
+            </a:xfrm>
+            <a:prstGeom prst="bentConnector2">
+              <a:avLst/>
+            </a:prstGeom>
+            <a:ln>
+              <a:tailEnd type="triangle"/>
+            </a:ln>
+          </p:spPr>
+          <p:style>
+            <a:lnRef idx="1">
+              <a:schemeClr val="dk1"/>
+            </a:lnRef>
+            <a:fillRef idx="0">
+              <a:schemeClr val="dk1"/>
+            </a:fillRef>
+            <a:effectRef idx="0">
+              <a:schemeClr val="dk1"/>
+            </a:effectRef>
+            <a:fontRef idx="minor">
+              <a:schemeClr val="tx1"/>
+            </a:fontRef>
+          </p:style>
+        </p:cxnSp>
+        <p:cxnSp>
+          <p:nvCxnSpPr>
+            <p:cNvPr id="56" name="꺾인 연결선 55"/>
+            <p:cNvCxnSpPr>
+              <a:endCxn id="48" idx="2"/>
+            </p:cNvCxnSpPr>
+            <p:nvPr/>
+          </p:nvCxnSpPr>
+          <p:spPr>
+            <a:xfrm rot="16200000" flipH="1">
+              <a:off x="5032143" y="2575204"/>
+              <a:ext cx="1440554" cy="1209375"/>
+            </a:xfrm>
+            <a:prstGeom prst="bentConnector2">
+              <a:avLst/>
+            </a:prstGeom>
+            <a:ln>
+              <a:tailEnd type="triangle"/>
+            </a:ln>
+          </p:spPr>
+          <p:style>
+            <a:lnRef idx="1">
+              <a:schemeClr val="dk1"/>
+            </a:lnRef>
+            <a:fillRef idx="0">
+              <a:schemeClr val="dk1"/>
+            </a:fillRef>
+            <a:effectRef idx="0">
+              <a:schemeClr val="dk1"/>
+            </a:effectRef>
+            <a:fontRef idx="minor">
+              <a:schemeClr val="tx1"/>
+            </a:fontRef>
+          </p:style>
+        </p:cxnSp>
+        <p:grpSp>
+          <p:nvGrpSpPr>
+            <p:cNvPr id="70" name="그룹 69"/>
+            <p:cNvGrpSpPr/>
+            <p:nvPr/>
+          </p:nvGrpSpPr>
+          <p:grpSpPr>
+            <a:xfrm>
+              <a:off x="7936891" y="674045"/>
+              <a:ext cx="1437894" cy="690036"/>
+              <a:chOff x="7375906" y="838200"/>
+              <a:chExt cx="1437894" cy="690036"/>
+            </a:xfrm>
+          </p:grpSpPr>
+          <p:sp>
+            <p:nvSpPr>
+              <p:cNvPr id="62" name="직사각형 61"/>
+              <p:cNvSpPr/>
+              <p:nvPr/>
+            </p:nvSpPr>
+            <p:spPr>
+              <a:xfrm>
+                <a:off x="7382933" y="838200"/>
+                <a:ext cx="1430867" cy="685800"/>
+              </a:xfrm>
+              <a:prstGeom prst="rect">
+                <a:avLst/>
+              </a:prstGeom>
+              <a:noFill/>
+              <a:ln>
+                <a:solidFill>
+                  <a:schemeClr val="tx1"/>
+                </a:solidFill>
+              </a:ln>
+            </p:spPr>
+            <p:style>
+              <a:lnRef idx="2">
+                <a:schemeClr val="accent1">
+                  <a:shade val="50000"/>
+                </a:schemeClr>
+              </a:lnRef>
+              <a:fillRef idx="1">
+                <a:schemeClr val="accent1"/>
+              </a:fillRef>
+              <a:effectRef idx="0">
+                <a:schemeClr val="accent1"/>
+              </a:effectRef>
+              <a:fontRef idx="minor">
+                <a:schemeClr val="lt1"/>
+              </a:fontRef>
+            </p:style>
+            <p:txBody>
+              <a:bodyPr rtlCol="0" anchor="ctr"/>
+              <a:lstStyle/>
+              <a:p>
+                <a:pPr algn="ctr"/>
+                <a:endParaRPr lang="ko-KR" altLang="en-US"/>
+              </a:p>
+            </p:txBody>
+          </p:sp>
+          <p:cxnSp>
+            <p:nvCxnSpPr>
+              <p:cNvPr id="64" name="직선 연결선 63"/>
+              <p:cNvCxnSpPr/>
+              <p:nvPr/>
+            </p:nvCxnSpPr>
+            <p:spPr>
+              <a:xfrm>
+                <a:off x="7729387" y="1019064"/>
+                <a:ext cx="440946" cy="0"/>
+              </a:xfrm>
+              <a:prstGeom prst="line">
+                <a:avLst/>
+              </a:prstGeom>
+              <a:ln>
+                <a:solidFill>
+                  <a:schemeClr val="tx1"/>
+                </a:solidFill>
+              </a:ln>
+            </p:spPr>
+            <p:style>
+              <a:lnRef idx="1">
+                <a:schemeClr val="accent1"/>
+              </a:lnRef>
+              <a:fillRef idx="0">
+                <a:schemeClr val="accent1"/>
+              </a:fillRef>
+              <a:effectRef idx="0">
+                <a:schemeClr val="accent1"/>
+              </a:effectRef>
+              <a:fontRef idx="minor">
+                <a:schemeClr val="tx1"/>
+              </a:fontRef>
+            </p:style>
+          </p:cxnSp>
+          <p:cxnSp>
+            <p:nvCxnSpPr>
+              <p:cNvPr id="65" name="직선 연결선 64"/>
+              <p:cNvCxnSpPr/>
+              <p:nvPr/>
+            </p:nvCxnSpPr>
+            <p:spPr>
+              <a:xfrm>
+                <a:off x="8170333" y="1015187"/>
+                <a:ext cx="304800" cy="222537"/>
+              </a:xfrm>
+              <a:prstGeom prst="line">
+                <a:avLst/>
+              </a:prstGeom>
+              <a:ln>
+                <a:solidFill>
+                  <a:schemeClr val="tx1"/>
+                </a:solidFill>
+              </a:ln>
+            </p:spPr>
+            <p:style>
+              <a:lnRef idx="1">
+                <a:schemeClr val="accent1"/>
+              </a:lnRef>
+              <a:fillRef idx="0">
+                <a:schemeClr val="accent1"/>
+              </a:fillRef>
+              <a:effectRef idx="0">
+                <a:schemeClr val="accent1"/>
+              </a:effectRef>
+              <a:fontRef idx="minor">
+                <a:schemeClr val="tx1"/>
+              </a:fontRef>
+            </p:style>
+          </p:cxnSp>
+          <p:sp>
+            <p:nvSpPr>
+              <p:cNvPr id="69" name="TextBox 68"/>
+              <p:cNvSpPr txBox="1"/>
+              <p:nvPr/>
+            </p:nvSpPr>
+            <p:spPr>
+              <a:xfrm>
+                <a:off x="7375906" y="1189682"/>
+                <a:ext cx="499985" cy="338554"/>
+              </a:xfrm>
+              <a:prstGeom prst="rect">
+                <a:avLst/>
+              </a:prstGeom>
+              <a:noFill/>
+            </p:spPr>
+            <p:txBody>
+              <a:bodyPr wrap="square" rtlCol="0">
+                <a:spAutoFit/>
+              </a:bodyPr>
+              <a:lstStyle/>
+              <a:p>
+                <a:r>
+                  <a:rPr lang="en-US" altLang="ko-KR" sz="1600" dirty="0" smtClean="0"/>
+                  <a:t>LPF</a:t>
+                </a:r>
+                <a:endParaRPr lang="ko-KR" altLang="en-US" sz="1600" dirty="0"/>
+              </a:p>
+            </p:txBody>
+          </p:sp>
+        </p:grpSp>
+        <p:cxnSp>
+          <p:nvCxnSpPr>
+            <p:cNvPr id="71" name="직선 화살표 연결선 70"/>
+            <p:cNvCxnSpPr>
+              <a:stCxn id="46" idx="6"/>
+              <a:endCxn id="62" idx="1"/>
+            </p:cNvCxnSpPr>
+            <p:nvPr/>
+          </p:nvCxnSpPr>
+          <p:spPr>
+            <a:xfrm flipV="1">
+              <a:off x="6894951" y="1016945"/>
+              <a:ext cx="1048967" cy="2119"/>
+            </a:xfrm>
+            <a:prstGeom prst="straightConnector1">
+              <a:avLst/>
+            </a:prstGeom>
+            <a:ln>
+              <a:tailEnd type="triangle"/>
+            </a:ln>
+          </p:spPr>
+          <p:style>
+            <a:lnRef idx="1">
+              <a:schemeClr val="dk1"/>
+            </a:lnRef>
+            <a:fillRef idx="0">
+              <a:schemeClr val="dk1"/>
+            </a:fillRef>
+            <a:effectRef idx="0">
+              <a:schemeClr val="dk1"/>
+            </a:effectRef>
+            <a:fontRef idx="minor">
+              <a:schemeClr val="tx1"/>
+            </a:fontRef>
+          </p:style>
+        </p:cxnSp>
+        <p:grpSp>
+          <p:nvGrpSpPr>
+            <p:cNvPr id="74" name="그룹 73"/>
+            <p:cNvGrpSpPr/>
+            <p:nvPr/>
+          </p:nvGrpSpPr>
+          <p:grpSpPr>
+            <a:xfrm>
+              <a:off x="7936891" y="2114598"/>
+              <a:ext cx="1437894" cy="690036"/>
+              <a:chOff x="7375906" y="838200"/>
+              <a:chExt cx="1437894" cy="690036"/>
+            </a:xfrm>
+          </p:grpSpPr>
+          <p:sp>
+            <p:nvSpPr>
+              <p:cNvPr id="75" name="직사각형 74"/>
+              <p:cNvSpPr/>
+              <p:nvPr/>
+            </p:nvSpPr>
+            <p:spPr>
+              <a:xfrm>
+                <a:off x="7382933" y="838200"/>
+                <a:ext cx="1430867" cy="685800"/>
+              </a:xfrm>
+              <a:prstGeom prst="rect">
+                <a:avLst/>
+              </a:prstGeom>
+              <a:noFill/>
+              <a:ln>
+                <a:solidFill>
+                  <a:schemeClr val="tx1"/>
+                </a:solidFill>
+              </a:ln>
+            </p:spPr>
+            <p:style>
+              <a:lnRef idx="2">
+                <a:schemeClr val="accent1">
+                  <a:shade val="50000"/>
+                </a:schemeClr>
+              </a:lnRef>
+              <a:fillRef idx="1">
+                <a:schemeClr val="accent1"/>
+              </a:fillRef>
+              <a:effectRef idx="0">
+                <a:schemeClr val="accent1"/>
+              </a:effectRef>
+              <a:fontRef idx="minor">
+                <a:schemeClr val="lt1"/>
+              </a:fontRef>
+            </p:style>
+            <p:txBody>
+              <a:bodyPr rtlCol="0" anchor="ctr"/>
+              <a:lstStyle/>
+              <a:p>
+                <a:pPr algn="ctr"/>
+                <a:endParaRPr lang="ko-KR" altLang="en-US"/>
+              </a:p>
+            </p:txBody>
+          </p:sp>
+          <p:cxnSp>
+            <p:nvCxnSpPr>
+              <p:cNvPr id="76" name="직선 연결선 75"/>
+              <p:cNvCxnSpPr/>
+              <p:nvPr/>
+            </p:nvCxnSpPr>
+            <p:spPr>
+              <a:xfrm>
+                <a:off x="7729387" y="1019064"/>
+                <a:ext cx="440946" cy="0"/>
+              </a:xfrm>
+              <a:prstGeom prst="line">
+                <a:avLst/>
+              </a:prstGeom>
+              <a:ln>
+                <a:solidFill>
+                  <a:schemeClr val="tx1"/>
+                </a:solidFill>
+              </a:ln>
+            </p:spPr>
+            <p:style>
+              <a:lnRef idx="1">
+                <a:schemeClr val="accent1"/>
+              </a:lnRef>
+              <a:fillRef idx="0">
+                <a:schemeClr val="accent1"/>
+              </a:fillRef>
+              <a:effectRef idx="0">
+                <a:schemeClr val="accent1"/>
+              </a:effectRef>
+              <a:fontRef idx="minor">
+                <a:schemeClr val="tx1"/>
+              </a:fontRef>
+            </p:style>
+          </p:cxnSp>
+          <p:cxnSp>
+            <p:nvCxnSpPr>
+              <p:cNvPr id="77" name="직선 연결선 76"/>
+              <p:cNvCxnSpPr/>
+              <p:nvPr/>
+            </p:nvCxnSpPr>
+            <p:spPr>
+              <a:xfrm>
+                <a:off x="8170333" y="1015187"/>
+                <a:ext cx="304800" cy="222537"/>
+              </a:xfrm>
+              <a:prstGeom prst="line">
+                <a:avLst/>
+              </a:prstGeom>
+              <a:ln>
+                <a:solidFill>
+                  <a:schemeClr val="tx1"/>
+                </a:solidFill>
+              </a:ln>
+            </p:spPr>
+            <p:style>
+              <a:lnRef idx="1">
+                <a:schemeClr val="accent1"/>
+              </a:lnRef>
+              <a:fillRef idx="0">
+                <a:schemeClr val="accent1"/>
+              </a:fillRef>
+              <a:effectRef idx="0">
+                <a:schemeClr val="accent1"/>
+              </a:effectRef>
+              <a:fontRef idx="minor">
+                <a:schemeClr val="tx1"/>
+              </a:fontRef>
+            </p:style>
+          </p:cxnSp>
+          <p:sp>
+            <p:nvSpPr>
+              <p:cNvPr id="78" name="TextBox 77"/>
+              <p:cNvSpPr txBox="1"/>
+              <p:nvPr/>
+            </p:nvSpPr>
+            <p:spPr>
+              <a:xfrm>
+                <a:off x="7375906" y="1189682"/>
+                <a:ext cx="499985" cy="338554"/>
+              </a:xfrm>
+              <a:prstGeom prst="rect">
+                <a:avLst/>
+              </a:prstGeom>
+              <a:noFill/>
+            </p:spPr>
+            <p:txBody>
+              <a:bodyPr wrap="square" rtlCol="0">
+                <a:spAutoFit/>
+              </a:bodyPr>
+              <a:lstStyle/>
+              <a:p>
+                <a:r>
+                  <a:rPr lang="en-US" altLang="ko-KR" sz="1600" dirty="0" smtClean="0"/>
+                  <a:t>LPF</a:t>
+                </a:r>
+                <a:endParaRPr lang="ko-KR" altLang="en-US" sz="1600" dirty="0"/>
+              </a:p>
+            </p:txBody>
+          </p:sp>
+        </p:grpSp>
+        <p:cxnSp>
+          <p:nvCxnSpPr>
+            <p:cNvPr id="79" name="직선 화살표 연결선 78"/>
+            <p:cNvCxnSpPr>
+              <a:stCxn id="47" idx="6"/>
+              <a:endCxn id="75" idx="1"/>
+            </p:cNvCxnSpPr>
+            <p:nvPr/>
+          </p:nvCxnSpPr>
+          <p:spPr>
+            <a:xfrm flipV="1">
+              <a:off x="6894951" y="2457498"/>
+              <a:ext cx="1048967" cy="2118"/>
+            </a:xfrm>
+            <a:prstGeom prst="straightConnector1">
+              <a:avLst/>
+            </a:prstGeom>
+            <a:ln>
+              <a:tailEnd type="triangle"/>
+            </a:ln>
+          </p:spPr>
+          <p:style>
+            <a:lnRef idx="1">
+              <a:schemeClr val="dk1"/>
+            </a:lnRef>
+            <a:fillRef idx="0">
+              <a:schemeClr val="dk1"/>
+            </a:fillRef>
+            <a:effectRef idx="0">
+              <a:schemeClr val="dk1"/>
+            </a:effectRef>
+            <a:fontRef idx="minor">
+              <a:schemeClr val="tx1"/>
+            </a:fontRef>
+          </p:style>
+        </p:cxnSp>
+        <p:grpSp>
+          <p:nvGrpSpPr>
+            <p:cNvPr id="84" name="그룹 83"/>
+            <p:cNvGrpSpPr/>
+            <p:nvPr/>
+          </p:nvGrpSpPr>
+          <p:grpSpPr>
+            <a:xfrm>
+              <a:off x="7936891" y="3555151"/>
+              <a:ext cx="1437894" cy="690036"/>
+              <a:chOff x="7375906" y="838200"/>
+              <a:chExt cx="1437894" cy="690036"/>
+            </a:xfrm>
+          </p:grpSpPr>
+          <p:sp>
+            <p:nvSpPr>
+              <p:cNvPr id="85" name="직사각형 84"/>
+              <p:cNvSpPr/>
+              <p:nvPr/>
+            </p:nvSpPr>
+            <p:spPr>
+              <a:xfrm>
+                <a:off x="7382933" y="838200"/>
+                <a:ext cx="1430867" cy="685800"/>
+              </a:xfrm>
+              <a:prstGeom prst="rect">
+                <a:avLst/>
+              </a:prstGeom>
+              <a:noFill/>
+              <a:ln>
+                <a:solidFill>
+                  <a:schemeClr val="tx1"/>
+                </a:solidFill>
+              </a:ln>
+            </p:spPr>
+            <p:style>
+              <a:lnRef idx="2">
+                <a:schemeClr val="accent1">
+                  <a:shade val="50000"/>
+                </a:schemeClr>
+              </a:lnRef>
+              <a:fillRef idx="1">
+                <a:schemeClr val="accent1"/>
+              </a:fillRef>
+              <a:effectRef idx="0">
+                <a:schemeClr val="accent1"/>
+              </a:effectRef>
+              <a:fontRef idx="minor">
+                <a:schemeClr val="lt1"/>
+              </a:fontRef>
+            </p:style>
+            <p:txBody>
+              <a:bodyPr rtlCol="0" anchor="ctr"/>
+              <a:lstStyle/>
+              <a:p>
+                <a:pPr algn="ctr"/>
+                <a:endParaRPr lang="ko-KR" altLang="en-US"/>
+              </a:p>
+            </p:txBody>
+          </p:sp>
+          <p:cxnSp>
+            <p:nvCxnSpPr>
+              <p:cNvPr id="86" name="직선 연결선 85"/>
+              <p:cNvCxnSpPr/>
+              <p:nvPr/>
+            </p:nvCxnSpPr>
+            <p:spPr>
+              <a:xfrm>
+                <a:off x="7729387" y="1019064"/>
+                <a:ext cx="440946" cy="0"/>
+              </a:xfrm>
+              <a:prstGeom prst="line">
+                <a:avLst/>
+              </a:prstGeom>
+              <a:ln>
+                <a:solidFill>
+                  <a:schemeClr val="tx1"/>
+                </a:solidFill>
+              </a:ln>
+            </p:spPr>
+            <p:style>
+              <a:lnRef idx="1">
+                <a:schemeClr val="accent1"/>
+              </a:lnRef>
+              <a:fillRef idx="0">
+                <a:schemeClr val="accent1"/>
+              </a:fillRef>
+              <a:effectRef idx="0">
+                <a:schemeClr val="accent1"/>
+              </a:effectRef>
+              <a:fontRef idx="minor">
+                <a:schemeClr val="tx1"/>
+              </a:fontRef>
+            </p:style>
+          </p:cxnSp>
+          <p:cxnSp>
+            <p:nvCxnSpPr>
+              <p:cNvPr id="87" name="직선 연결선 86"/>
+              <p:cNvCxnSpPr/>
+              <p:nvPr/>
+            </p:nvCxnSpPr>
+            <p:spPr>
+              <a:xfrm>
+                <a:off x="8170333" y="1015187"/>
+                <a:ext cx="304800" cy="222537"/>
+              </a:xfrm>
+              <a:prstGeom prst="line">
+                <a:avLst/>
+              </a:prstGeom>
+              <a:ln>
+                <a:solidFill>
+                  <a:schemeClr val="tx1"/>
+                </a:solidFill>
+              </a:ln>
+            </p:spPr>
+            <p:style>
+              <a:lnRef idx="1">
+                <a:schemeClr val="accent1"/>
+              </a:lnRef>
+              <a:fillRef idx="0">
+                <a:schemeClr val="accent1"/>
+              </a:fillRef>
+              <a:effectRef idx="0">
+                <a:schemeClr val="accent1"/>
+              </a:effectRef>
+              <a:fontRef idx="minor">
+                <a:schemeClr val="tx1"/>
+              </a:fontRef>
+            </p:style>
+          </p:cxnSp>
+          <p:sp>
+            <p:nvSpPr>
+              <p:cNvPr id="88" name="TextBox 87"/>
+              <p:cNvSpPr txBox="1"/>
+              <p:nvPr/>
+            </p:nvSpPr>
+            <p:spPr>
+              <a:xfrm>
+                <a:off x="7375906" y="1189682"/>
+                <a:ext cx="499985" cy="338554"/>
+              </a:xfrm>
+              <a:prstGeom prst="rect">
+                <a:avLst/>
+              </a:prstGeom>
+              <a:noFill/>
+            </p:spPr>
+            <p:txBody>
+              <a:bodyPr wrap="square" rtlCol="0">
+                <a:spAutoFit/>
+              </a:bodyPr>
+              <a:lstStyle/>
+              <a:p>
+                <a:r>
+                  <a:rPr lang="en-US" altLang="ko-KR" sz="1600" dirty="0" smtClean="0"/>
+                  <a:t>LPF</a:t>
+                </a:r>
+                <a:endParaRPr lang="ko-KR" altLang="en-US" sz="1600" dirty="0"/>
+              </a:p>
+            </p:txBody>
+          </p:sp>
+        </p:grpSp>
+        <p:cxnSp>
+          <p:nvCxnSpPr>
+            <p:cNvPr id="89" name="직선 화살표 연결선 88"/>
+            <p:cNvCxnSpPr>
+              <a:stCxn id="48" idx="6"/>
+              <a:endCxn id="85" idx="1"/>
+            </p:cNvCxnSpPr>
+            <p:nvPr/>
+          </p:nvCxnSpPr>
+          <p:spPr>
+            <a:xfrm flipV="1">
+              <a:off x="6894951" y="3898051"/>
+              <a:ext cx="1048967" cy="2118"/>
+            </a:xfrm>
+            <a:prstGeom prst="straightConnector1">
+              <a:avLst/>
+            </a:prstGeom>
+            <a:ln>
+              <a:tailEnd type="triangle"/>
+            </a:ln>
+          </p:spPr>
+          <p:style>
+            <a:lnRef idx="1">
+              <a:schemeClr val="dk1"/>
+            </a:lnRef>
+            <a:fillRef idx="0">
+              <a:schemeClr val="dk1"/>
+            </a:fillRef>
+            <a:effectRef idx="0">
+              <a:schemeClr val="dk1"/>
+            </a:effectRef>
+            <a:fontRef idx="minor">
+              <a:schemeClr val="tx1"/>
+            </a:fontRef>
+          </p:style>
+        </p:cxnSp>
+        <p:cxnSp>
+          <p:nvCxnSpPr>
+            <p:cNvPr id="105" name="꺾인 연결선 104"/>
+            <p:cNvCxnSpPr>
+              <a:endCxn id="46" idx="4"/>
+            </p:cNvCxnSpPr>
+            <p:nvPr/>
+          </p:nvCxnSpPr>
+          <p:spPr>
+            <a:xfrm flipV="1">
+              <a:off x="5059987" y="1289982"/>
+              <a:ext cx="1566043" cy="389477"/>
+            </a:xfrm>
+            <a:prstGeom prst="bentConnector2">
+              <a:avLst/>
+            </a:prstGeom>
+            <a:ln>
+              <a:prstDash val="lgDash"/>
+              <a:tailEnd type="triangle"/>
+            </a:ln>
+          </p:spPr>
+          <p:style>
+            <a:lnRef idx="1">
+              <a:schemeClr val="dk1"/>
+            </a:lnRef>
+            <a:fillRef idx="0">
+              <a:schemeClr val="dk1"/>
+            </a:fillRef>
+            <a:effectRef idx="0">
+              <a:schemeClr val="dk1"/>
+            </a:effectRef>
+            <a:fontRef idx="minor">
+              <a:schemeClr val="tx1"/>
+            </a:fontRef>
+          </p:style>
+        </p:cxnSp>
+        <mc:AlternateContent xmlns:mc="http://schemas.openxmlformats.org/markup-compatibility/2006">
+          <mc:Choice xmlns:a14="http://schemas.microsoft.com/office/drawing/2010/main" Requires="a14">
+            <p:sp>
+              <p:nvSpPr>
+                <p:cNvPr id="107" name="TextBox 106"/>
+                <p:cNvSpPr txBox="1"/>
+                <p:nvPr/>
+              </p:nvSpPr>
+              <p:spPr>
+                <a:xfrm>
+                  <a:off x="6649121" y="1402460"/>
+                  <a:ext cx="263149" cy="276999"/>
+                </a:xfrm>
+                <a:prstGeom prst="rect">
+                  <a:avLst/>
+                </a:prstGeom>
+                <a:noFill/>
+              </p:spPr>
+              <p:txBody>
+                <a:bodyPr wrap="none" lIns="0" tIns="0" rIns="0" bIns="0" rtlCol="0">
+                  <a:spAutoFit/>
+                </a:bodyPr>
+                <a:lstStyle/>
+                <a:p>
+                  <a:pPr/>
+                  <a14:m>
+                    <m:oMathPara xmlns:m="http://schemas.openxmlformats.org/officeDocument/2006/math">
+                      <m:oMathParaPr>
+                        <m:jc m:val="centerGroup"/>
+                      </m:oMathParaPr>
+                      <m:oMath xmlns:m="http://schemas.openxmlformats.org/officeDocument/2006/math">
+                        <m:sSub>
+                          <m:sSubPr>
+                            <m:ctrlPr>
+                              <a:rPr lang="en-US" altLang="ko-KR" b="0" i="1" smtClean="0">
+                                <a:latin typeface="Cambria Math" panose="02040503050406030204" pitchFamily="18" charset="0"/>
+                              </a:rPr>
+                            </m:ctrlPr>
+                          </m:sSubPr>
+                          <m:e>
+                            <m:r>
+                              <a:rPr lang="en-US" altLang="ko-KR" b="0" i="1" smtClean="0">
+                                <a:latin typeface="Cambria Math" panose="02040503050406030204" pitchFamily="18" charset="0"/>
+                              </a:rPr>
+                              <m:t>𝑓</m:t>
+                            </m:r>
+                          </m:e>
+                          <m:sub>
+                            <m:r>
+                              <a:rPr lang="en-US" altLang="ko-KR" b="0" i="1" smtClean="0">
+                                <a:latin typeface="Cambria Math" panose="02040503050406030204" pitchFamily="18" charset="0"/>
+                              </a:rPr>
+                              <m:t>𝑐</m:t>
+                            </m:r>
+                          </m:sub>
+                        </m:sSub>
+                      </m:oMath>
+                    </m:oMathPara>
+                  </a14:m>
+                  <a:endParaRPr lang="ko-KR" altLang="en-US" dirty="0"/>
+                </a:p>
+              </p:txBody>
+            </p:sp>
+          </mc:Choice>
+          <mc:Fallback>
+            <p:sp>
+              <p:nvSpPr>
+                <p:cNvPr id="107" name="TextBox 106"/>
+                <p:cNvSpPr txBox="1">
+                  <a:spLocks noRot="1" noChangeAspect="1" noMove="1" noResize="1" noEditPoints="1" noAdjustHandles="1" noChangeArrowheads="1" noChangeShapeType="1" noTextEdit="1"/>
+                </p:cNvSpPr>
+                <p:nvPr/>
+              </p:nvSpPr>
+              <p:spPr>
+                <a:xfrm>
+                  <a:off x="6649121" y="1402460"/>
+                  <a:ext cx="263149" cy="276999"/>
+                </a:xfrm>
+                <a:prstGeom prst="rect">
+                  <a:avLst/>
+                </a:prstGeom>
+                <a:blipFill>
+                  <a:blip r:embed="rId4"/>
+                  <a:stretch>
+                    <a:fillRect l="-25581" r="-6977" b="-36957"/>
+                  </a:stretch>
+                </a:blipFill>
+              </p:spPr>
+              <p:txBody>
+                <a:bodyPr/>
+                <a:lstStyle/>
+                <a:p>
+                  <a:r>
+                    <a:rPr lang="ko-KR" altLang="en-US">
+                      <a:noFill/>
+                    </a:rPr>
+                    <a:t> </a:t>
+                  </a:r>
+                </a:p>
+              </p:txBody>
+            </p:sp>
+          </mc:Fallback>
+        </mc:AlternateContent>
+        <p:cxnSp>
+          <p:nvCxnSpPr>
+            <p:cNvPr id="109" name="꺾인 연결선 108"/>
+            <p:cNvCxnSpPr>
+              <a:endCxn id="47" idx="4"/>
+            </p:cNvCxnSpPr>
+            <p:nvPr/>
+          </p:nvCxnSpPr>
+          <p:spPr>
+            <a:xfrm flipV="1">
+              <a:off x="5080755" y="2730534"/>
+              <a:ext cx="1545275" cy="298192"/>
+            </a:xfrm>
+            <a:prstGeom prst="bentConnector2">
+              <a:avLst/>
+            </a:prstGeom>
+            <a:ln>
+              <a:prstDash val="lgDash"/>
+              <a:tailEnd type="triangle"/>
+            </a:ln>
+          </p:spPr>
+          <p:style>
+            <a:lnRef idx="1">
+              <a:schemeClr val="dk1"/>
+            </a:lnRef>
+            <a:fillRef idx="0">
+              <a:schemeClr val="dk1"/>
+            </a:fillRef>
+            <a:effectRef idx="0">
+              <a:schemeClr val="dk1"/>
+            </a:effectRef>
+            <a:fontRef idx="minor">
+              <a:schemeClr val="tx1"/>
+            </a:fontRef>
+          </p:style>
+        </p:cxnSp>
+        <mc:AlternateContent xmlns:mc="http://schemas.openxmlformats.org/markup-compatibility/2006">
+          <mc:Choice xmlns:a14="http://schemas.microsoft.com/office/drawing/2010/main" Requires="a14">
+            <p:sp>
+              <p:nvSpPr>
+                <p:cNvPr id="110" name="TextBox 109"/>
+                <p:cNvSpPr txBox="1"/>
+                <p:nvPr/>
+              </p:nvSpPr>
+              <p:spPr>
+                <a:xfrm>
+                  <a:off x="6649121" y="2751727"/>
+                  <a:ext cx="789960" cy="276999"/>
+                </a:xfrm>
+                <a:prstGeom prst="rect">
+                  <a:avLst/>
+                </a:prstGeom>
+                <a:noFill/>
+              </p:spPr>
+              <p:txBody>
+                <a:bodyPr wrap="none" lIns="0" tIns="0" rIns="0" bIns="0" rtlCol="0">
+                  <a:spAutoFit/>
+                </a:bodyPr>
+                <a:lstStyle/>
+                <a:p>
+                  <a:pPr/>
+                  <a14:m>
+                    <m:oMathPara xmlns:m="http://schemas.openxmlformats.org/officeDocument/2006/math">
+                      <m:oMathParaPr>
+                        <m:jc m:val="centerGroup"/>
+                      </m:oMathParaPr>
+                      <m:oMath xmlns:m="http://schemas.openxmlformats.org/officeDocument/2006/math">
+                        <m:sSub>
+                          <m:sSubPr>
+                            <m:ctrlPr>
+                              <a:rPr lang="en-US" altLang="ko-KR" b="0" i="1" smtClean="0">
+                                <a:latin typeface="Cambria Math" panose="02040503050406030204" pitchFamily="18" charset="0"/>
+                              </a:rPr>
+                            </m:ctrlPr>
+                          </m:sSubPr>
+                          <m:e>
+                            <m:r>
+                              <a:rPr lang="en-US" altLang="ko-KR" b="0" i="1" smtClean="0">
+                                <a:latin typeface="Cambria Math" panose="02040503050406030204" pitchFamily="18" charset="0"/>
+                              </a:rPr>
+                              <m:t>𝑓</m:t>
+                            </m:r>
+                          </m:e>
+                          <m:sub>
+                            <m:r>
+                              <a:rPr lang="en-US" altLang="ko-KR" b="0" i="1" smtClean="0">
+                                <a:latin typeface="Cambria Math" panose="02040503050406030204" pitchFamily="18" charset="0"/>
+                              </a:rPr>
+                              <m:t>𝑐</m:t>
+                            </m:r>
+                          </m:sub>
+                        </m:sSub>
+                        <m:r>
+                          <a:rPr lang="en-US" altLang="ko-KR" b="0" i="1" smtClean="0">
+                            <a:latin typeface="Cambria Math" panose="02040503050406030204" pitchFamily="18" charset="0"/>
+                          </a:rPr>
+                          <m:t>+</m:t>
+                        </m:r>
+                        <m:sSub>
+                          <m:sSubPr>
+                            <m:ctrlPr>
+                              <a:rPr lang="en-US" altLang="ko-KR" b="0" i="1" smtClean="0">
+                                <a:latin typeface="Cambria Math" panose="02040503050406030204" pitchFamily="18" charset="0"/>
+                              </a:rPr>
+                            </m:ctrlPr>
+                          </m:sSubPr>
+                          <m:e>
+                            <m:r>
+                              <a:rPr lang="en-US" altLang="ko-KR" b="0" i="1" smtClean="0">
+                                <a:latin typeface="Cambria Math" panose="02040503050406030204" pitchFamily="18" charset="0"/>
+                              </a:rPr>
+                              <m:t>𝑓</m:t>
+                            </m:r>
+                          </m:e>
+                          <m:sub>
+                            <m:r>
+                              <a:rPr lang="en-US" altLang="ko-KR" b="0" i="1" smtClean="0">
+                                <a:latin typeface="Cambria Math" panose="02040503050406030204" pitchFamily="18" charset="0"/>
+                              </a:rPr>
+                              <m:t>𝑚</m:t>
+                            </m:r>
+                          </m:sub>
+                        </m:sSub>
+                      </m:oMath>
+                    </m:oMathPara>
+                  </a14:m>
+                  <a:endParaRPr lang="ko-KR" altLang="en-US" dirty="0"/>
+                </a:p>
+              </p:txBody>
+            </p:sp>
+          </mc:Choice>
+          <mc:Fallback>
+            <p:sp>
+              <p:nvSpPr>
+                <p:cNvPr id="110" name="TextBox 109"/>
+                <p:cNvSpPr txBox="1">
+                  <a:spLocks noRot="1" noChangeAspect="1" noMove="1" noResize="1" noEditPoints="1" noAdjustHandles="1" noChangeArrowheads="1" noChangeShapeType="1" noTextEdit="1"/>
+                </p:cNvSpPr>
+                <p:nvPr/>
+              </p:nvSpPr>
+              <p:spPr>
+                <a:xfrm>
+                  <a:off x="6649121" y="2751727"/>
+                  <a:ext cx="789960" cy="276999"/>
+                </a:xfrm>
+                <a:prstGeom prst="rect">
+                  <a:avLst/>
+                </a:prstGeom>
+                <a:blipFill>
+                  <a:blip r:embed="rId5"/>
+                  <a:stretch>
+                    <a:fillRect l="-8527" b="-36957"/>
+                  </a:stretch>
+                </a:blipFill>
+              </p:spPr>
+              <p:txBody>
+                <a:bodyPr/>
+                <a:lstStyle/>
+                <a:p>
+                  <a:r>
+                    <a:rPr lang="ko-KR" altLang="en-US">
+                      <a:noFill/>
+                    </a:rPr>
+                    <a:t> </a:t>
+                  </a:r>
+                </a:p>
+              </p:txBody>
+            </p:sp>
+          </mc:Fallback>
+        </mc:AlternateContent>
+        <mc:AlternateContent xmlns:mc="http://schemas.openxmlformats.org/markup-compatibility/2006">
+          <mc:Choice xmlns:a14="http://schemas.microsoft.com/office/drawing/2010/main" Requires="a14">
+            <p:sp>
+              <p:nvSpPr>
+                <p:cNvPr id="111" name="TextBox 110"/>
+                <p:cNvSpPr txBox="1"/>
+                <p:nvPr/>
+              </p:nvSpPr>
+              <p:spPr>
+                <a:xfrm>
+                  <a:off x="6649121" y="4311335"/>
+                  <a:ext cx="789960" cy="276999"/>
+                </a:xfrm>
+                <a:prstGeom prst="rect">
+                  <a:avLst/>
+                </a:prstGeom>
+                <a:noFill/>
+              </p:spPr>
+              <p:txBody>
+                <a:bodyPr wrap="none" lIns="0" tIns="0" rIns="0" bIns="0" rtlCol="0">
+                  <a:spAutoFit/>
+                </a:bodyPr>
+                <a:lstStyle/>
+                <a:p>
+                  <a:pPr/>
+                  <a14:m>
+                    <m:oMathPara xmlns:m="http://schemas.openxmlformats.org/officeDocument/2006/math">
+                      <m:oMathParaPr>
+                        <m:jc m:val="centerGroup"/>
+                      </m:oMathParaPr>
+                      <m:oMath xmlns:m="http://schemas.openxmlformats.org/officeDocument/2006/math">
+                        <m:sSub>
+                          <m:sSubPr>
+                            <m:ctrlPr>
+                              <a:rPr lang="en-US" altLang="ko-KR" b="0" i="1" smtClean="0">
+                                <a:latin typeface="Cambria Math" panose="02040503050406030204" pitchFamily="18" charset="0"/>
+                              </a:rPr>
+                            </m:ctrlPr>
+                          </m:sSubPr>
+                          <m:e>
+                            <m:r>
+                              <a:rPr lang="en-US" altLang="ko-KR" b="0" i="1" smtClean="0">
+                                <a:latin typeface="Cambria Math" panose="02040503050406030204" pitchFamily="18" charset="0"/>
+                              </a:rPr>
+                              <m:t>𝑓</m:t>
+                            </m:r>
+                          </m:e>
+                          <m:sub>
+                            <m:r>
+                              <a:rPr lang="en-US" altLang="ko-KR" b="0" i="1" smtClean="0">
+                                <a:latin typeface="Cambria Math" panose="02040503050406030204" pitchFamily="18" charset="0"/>
+                              </a:rPr>
+                              <m:t>𝑐</m:t>
+                            </m:r>
+                          </m:sub>
+                        </m:sSub>
+                        <m:r>
+                          <a:rPr lang="en-US" altLang="ko-KR" b="0" i="1" smtClean="0">
+                            <a:latin typeface="Cambria Math" panose="02040503050406030204" pitchFamily="18" charset="0"/>
+                          </a:rPr>
+                          <m:t>−</m:t>
+                        </m:r>
+                        <m:sSub>
+                          <m:sSubPr>
+                            <m:ctrlPr>
+                              <a:rPr lang="en-US" altLang="ko-KR" b="0" i="1" smtClean="0">
+                                <a:latin typeface="Cambria Math" panose="02040503050406030204" pitchFamily="18" charset="0"/>
+                              </a:rPr>
+                            </m:ctrlPr>
+                          </m:sSubPr>
+                          <m:e>
+                            <m:r>
+                              <a:rPr lang="en-US" altLang="ko-KR" b="0" i="1" smtClean="0">
+                                <a:latin typeface="Cambria Math" panose="02040503050406030204" pitchFamily="18" charset="0"/>
+                              </a:rPr>
+                              <m:t>𝑓</m:t>
+                            </m:r>
+                          </m:e>
+                          <m:sub>
+                            <m:r>
+                              <a:rPr lang="en-US" altLang="ko-KR" b="0" i="1" smtClean="0">
+                                <a:latin typeface="Cambria Math" panose="02040503050406030204" pitchFamily="18" charset="0"/>
+                              </a:rPr>
+                              <m:t>𝑚</m:t>
+                            </m:r>
+                          </m:sub>
+                        </m:sSub>
+                      </m:oMath>
+                    </m:oMathPara>
+                  </a14:m>
+                  <a:endParaRPr lang="ko-KR" altLang="en-US" dirty="0"/>
+                </a:p>
+              </p:txBody>
+            </p:sp>
+          </mc:Choice>
+          <mc:Fallback>
+            <p:sp>
+              <p:nvSpPr>
+                <p:cNvPr id="111" name="TextBox 110"/>
+                <p:cNvSpPr txBox="1">
+                  <a:spLocks noRot="1" noChangeAspect="1" noMove="1" noResize="1" noEditPoints="1" noAdjustHandles="1" noChangeArrowheads="1" noChangeShapeType="1" noTextEdit="1"/>
+                </p:cNvSpPr>
+                <p:nvPr/>
+              </p:nvSpPr>
+              <p:spPr>
+                <a:xfrm>
+                  <a:off x="6649121" y="4311335"/>
+                  <a:ext cx="789960" cy="276999"/>
+                </a:xfrm>
+                <a:prstGeom prst="rect">
+                  <a:avLst/>
+                </a:prstGeom>
+                <a:blipFill>
+                  <a:blip r:embed="rId6"/>
+                  <a:stretch>
+                    <a:fillRect l="-8527" b="-36957"/>
+                  </a:stretch>
+                </a:blipFill>
+              </p:spPr>
+              <p:txBody>
+                <a:bodyPr/>
+                <a:lstStyle/>
+                <a:p>
+                  <a:r>
+                    <a:rPr lang="ko-KR" altLang="en-US">
+                      <a:noFill/>
+                    </a:rPr>
+                    <a:t> </a:t>
+                  </a:r>
+                </a:p>
+              </p:txBody>
+            </p:sp>
+          </mc:Fallback>
+        </mc:AlternateContent>
+        <p:cxnSp>
+          <p:nvCxnSpPr>
+            <p:cNvPr id="112" name="꺾인 연결선 111"/>
+            <p:cNvCxnSpPr>
+              <a:endCxn id="48" idx="4"/>
+            </p:cNvCxnSpPr>
+            <p:nvPr/>
+          </p:nvCxnSpPr>
+          <p:spPr>
+            <a:xfrm flipV="1">
+              <a:off x="5087782" y="4171087"/>
+              <a:ext cx="1538248" cy="417247"/>
+            </a:xfrm>
+            <a:prstGeom prst="bentConnector2">
+              <a:avLst/>
+            </a:prstGeom>
+            <a:ln>
+              <a:prstDash val="lgDash"/>
+              <a:tailEnd type="triangle"/>
+            </a:ln>
+          </p:spPr>
+          <p:style>
+            <a:lnRef idx="1">
+              <a:schemeClr val="dk1"/>
+            </a:lnRef>
+            <a:fillRef idx="0">
+              <a:schemeClr val="dk1"/>
+            </a:fillRef>
+            <a:effectRef idx="0">
+              <a:schemeClr val="dk1"/>
+            </a:effectRef>
+            <a:fontRef idx="minor">
+              <a:schemeClr val="tx1"/>
+            </a:fontRef>
+          </p:style>
+        </p:cxnSp>
+        <p:cxnSp>
+          <p:nvCxnSpPr>
+            <p:cNvPr id="50" name="직선 화살표 연결선 49"/>
+            <p:cNvCxnSpPr>
+              <a:stCxn id="75" idx="3"/>
+            </p:cNvCxnSpPr>
+            <p:nvPr/>
+          </p:nvCxnSpPr>
+          <p:spPr>
+            <a:xfrm>
+              <a:off x="9374785" y="2457498"/>
+              <a:ext cx="658677" cy="0"/>
+            </a:xfrm>
+            <a:prstGeom prst="straightConnector1">
+              <a:avLst/>
+            </a:prstGeom>
+            <a:ln>
+              <a:tailEnd type="triangle"/>
+            </a:ln>
+          </p:spPr>
+          <p:style>
+            <a:lnRef idx="1">
+              <a:schemeClr val="dk1"/>
+            </a:lnRef>
+            <a:fillRef idx="0">
+              <a:schemeClr val="dk1"/>
+            </a:fillRef>
+            <a:effectRef idx="0">
+              <a:schemeClr val="dk1"/>
+            </a:effectRef>
+            <a:fontRef idx="minor">
+              <a:schemeClr val="tx1"/>
+            </a:fontRef>
+          </p:style>
+        </p:cxnSp>
+        <p:cxnSp>
+          <p:nvCxnSpPr>
+            <p:cNvPr id="52" name="직선 화살표 연결선 51"/>
+            <p:cNvCxnSpPr>
+              <a:stCxn id="85" idx="3"/>
+            </p:cNvCxnSpPr>
+            <p:nvPr/>
+          </p:nvCxnSpPr>
+          <p:spPr>
+            <a:xfrm>
+              <a:off x="9374785" y="3898051"/>
+              <a:ext cx="697869" cy="0"/>
+            </a:xfrm>
+            <a:prstGeom prst="straightConnector1">
+              <a:avLst/>
+            </a:prstGeom>
+            <a:ln>
+              <a:tailEnd type="triangle"/>
+            </a:ln>
+          </p:spPr>
+          <p:style>
+            <a:lnRef idx="1">
+              <a:schemeClr val="dk1"/>
+            </a:lnRef>
+            <a:fillRef idx="0">
+              <a:schemeClr val="dk1"/>
+            </a:fillRef>
+            <a:effectRef idx="0">
+              <a:schemeClr val="dk1"/>
+            </a:effectRef>
+            <a:fontRef idx="minor">
+              <a:schemeClr val="tx1"/>
+            </a:fontRef>
+          </p:style>
+        </p:cxnSp>
         <p:sp>
           <p:nvSpPr>
-            <p:cNvPr id="85" name="직사각형 84"/>
+            <p:cNvPr id="54" name="직사각형 53"/>
             <p:cNvSpPr/>
             <p:nvPr/>
           </p:nvSpPr>
           <p:spPr>
             <a:xfrm>
-              <a:off x="7382933" y="838200"/>
-              <a:ext cx="1430867" cy="685800"/>
+              <a:off x="10042005" y="2114598"/>
+              <a:ext cx="1008490" cy="2126354"/>
             </a:xfrm>
             <a:prstGeom prst="rect">
               <a:avLst/>
@@ -4318,86 +5074,16 @@
             </a:p>
           </p:txBody>
         </p:sp>
-        <p:cxnSp>
-          <p:nvCxnSpPr>
-            <p:cNvPr id="86" name="직선 연결선 85"/>
-            <p:cNvCxnSpPr/>
-            <p:nvPr/>
-          </p:nvCxnSpPr>
-          <p:spPr>
-            <a:xfrm>
-              <a:off x="7729387" y="1019064"/>
-              <a:ext cx="440946" cy="0"/>
-            </a:xfrm>
-            <a:prstGeom prst="line">
-              <a:avLst/>
-            </a:prstGeom>
-            <a:ln>
-              <a:solidFill>
-                <a:schemeClr val="tx1"/>
-              </a:solidFill>
-            </a:ln>
-          </p:spPr>
-          <p:style>
-            <a:lnRef idx="1">
-              <a:schemeClr val="accent1"/>
-            </a:lnRef>
-            <a:fillRef idx="0">
-              <a:schemeClr val="accent1"/>
-            </a:fillRef>
-            <a:effectRef idx="0">
-              <a:schemeClr val="accent1"/>
-            </a:effectRef>
-            <a:fontRef idx="minor">
-              <a:schemeClr val="tx1"/>
-            </a:fontRef>
-          </p:style>
-        </p:cxnSp>
-        <p:cxnSp>
-          <p:nvCxnSpPr>
-            <p:cNvPr id="87" name="직선 연결선 86"/>
-            <p:cNvCxnSpPr/>
-            <p:nvPr/>
-          </p:nvCxnSpPr>
-          <p:spPr>
-            <a:xfrm>
-              <a:off x="8170333" y="1015187"/>
-              <a:ext cx="304800" cy="222537"/>
-            </a:xfrm>
-            <a:prstGeom prst="line">
-              <a:avLst/>
-            </a:prstGeom>
-            <a:ln>
-              <a:solidFill>
-                <a:schemeClr val="tx1"/>
-              </a:solidFill>
-            </a:ln>
-          </p:spPr>
-          <p:style>
-            <a:lnRef idx="1">
-              <a:schemeClr val="accent1"/>
-            </a:lnRef>
-            <a:fillRef idx="0">
-              <a:schemeClr val="accent1"/>
-            </a:fillRef>
-            <a:effectRef idx="0">
-              <a:schemeClr val="accent1"/>
-            </a:effectRef>
-            <a:fontRef idx="minor">
-              <a:schemeClr val="tx1"/>
-            </a:fontRef>
-          </p:style>
-        </p:cxnSp>
         <p:sp>
           <p:nvSpPr>
-            <p:cNvPr id="88" name="TextBox 87"/>
+            <p:cNvPr id="55" name="TextBox 54"/>
             <p:cNvSpPr txBox="1"/>
             <p:nvPr/>
           </p:nvSpPr>
           <p:spPr>
             <a:xfrm>
-              <a:off x="7375906" y="1189682"/>
-              <a:ext cx="499985" cy="338554"/>
+              <a:off x="10062325" y="3832533"/>
+              <a:ext cx="967850" cy="338554"/>
             </a:xfrm>
             <a:prstGeom prst="rect">
               <a:avLst/>
@@ -4411,526 +5097,53 @@
             <a:lstStyle/>
             <a:p>
               <a:r>
+                <a:rPr lang="en-US" altLang="ko-KR" sz="1600" dirty="0"/>
+                <a:t>A</a:t>
+              </a:r>
+              <a:r>
                 <a:rPr lang="en-US" altLang="ko-KR" sz="1600" dirty="0" smtClean="0"/>
-                <a:t>LPF</a:t>
+                <a:t>verage</a:t>
               </a:r>
               <a:endParaRPr lang="ko-KR" altLang="en-US" sz="1600" dirty="0"/>
             </a:p>
           </p:txBody>
         </p:sp>
+        <p:cxnSp>
+          <p:nvCxnSpPr>
+            <p:cNvPr id="57" name="직선 화살표 연결선 56"/>
+            <p:cNvCxnSpPr>
+              <a:stCxn id="54" idx="3"/>
+            </p:cNvCxnSpPr>
+            <p:nvPr/>
+          </p:nvCxnSpPr>
+          <p:spPr>
+            <a:xfrm>
+              <a:off x="11050495" y="3177775"/>
+              <a:ext cx="725907" cy="0"/>
+            </a:xfrm>
+            <a:prstGeom prst="straightConnector1">
+              <a:avLst/>
+            </a:prstGeom>
+            <a:ln>
+              <a:tailEnd type="triangle"/>
+            </a:ln>
+          </p:spPr>
+          <p:style>
+            <a:lnRef idx="1">
+              <a:schemeClr val="dk1"/>
+            </a:lnRef>
+            <a:fillRef idx="0">
+              <a:schemeClr val="dk1"/>
+            </a:fillRef>
+            <a:effectRef idx="0">
+              <a:schemeClr val="dk1"/>
+            </a:effectRef>
+            <a:fontRef idx="minor">
+              <a:schemeClr val="tx1"/>
+            </a:fontRef>
+          </p:style>
+        </p:cxnSp>
       </p:grpSp>
-      <p:cxnSp>
-        <p:nvCxnSpPr>
-          <p:cNvPr id="89" name="직선 화살표 연결선 88"/>
-          <p:cNvCxnSpPr>
-            <a:stCxn id="48" idx="6"/>
-            <a:endCxn id="85" idx="1"/>
-          </p:cNvCxnSpPr>
-          <p:nvPr/>
-        </p:nvCxnSpPr>
-        <p:spPr>
-          <a:xfrm flipV="1">
-            <a:off x="6894951" y="3898051"/>
-            <a:ext cx="1048967" cy="2118"/>
-          </a:xfrm>
-          <a:prstGeom prst="straightConnector1">
-            <a:avLst/>
-          </a:prstGeom>
-          <a:ln>
-            <a:tailEnd type="triangle"/>
-          </a:ln>
-        </p:spPr>
-        <p:style>
-          <a:lnRef idx="1">
-            <a:schemeClr val="dk1"/>
-          </a:lnRef>
-          <a:fillRef idx="0">
-            <a:schemeClr val="dk1"/>
-          </a:fillRef>
-          <a:effectRef idx="0">
-            <a:schemeClr val="dk1"/>
-          </a:effectRef>
-          <a:fontRef idx="minor">
-            <a:schemeClr val="tx1"/>
-          </a:fontRef>
-        </p:style>
-      </p:cxnSp>
-      <p:cxnSp>
-        <p:nvCxnSpPr>
-          <p:cNvPr id="105" name="꺾인 연결선 104"/>
-          <p:cNvCxnSpPr>
-            <a:endCxn id="46" idx="4"/>
-          </p:cNvCxnSpPr>
-          <p:nvPr/>
-        </p:nvCxnSpPr>
-        <p:spPr>
-          <a:xfrm flipV="1">
-            <a:off x="5059987" y="1289982"/>
-            <a:ext cx="1566043" cy="389477"/>
-          </a:xfrm>
-          <a:prstGeom prst="bentConnector2">
-            <a:avLst/>
-          </a:prstGeom>
-          <a:ln>
-            <a:prstDash val="lgDash"/>
-            <a:tailEnd type="triangle"/>
-          </a:ln>
-        </p:spPr>
-        <p:style>
-          <a:lnRef idx="1">
-            <a:schemeClr val="dk1"/>
-          </a:lnRef>
-          <a:fillRef idx="0">
-            <a:schemeClr val="dk1"/>
-          </a:fillRef>
-          <a:effectRef idx="0">
-            <a:schemeClr val="dk1"/>
-          </a:effectRef>
-          <a:fontRef idx="minor">
-            <a:schemeClr val="tx1"/>
-          </a:fontRef>
-        </p:style>
-      </p:cxnSp>
-      <mc:AlternateContent xmlns:mc="http://schemas.openxmlformats.org/markup-compatibility/2006">
-        <mc:Choice xmlns:a14="http://schemas.microsoft.com/office/drawing/2010/main" Requires="a14">
-          <p:sp>
-            <p:nvSpPr>
-              <p:cNvPr id="107" name="TextBox 106"/>
-              <p:cNvSpPr txBox="1"/>
-              <p:nvPr/>
-            </p:nvSpPr>
-            <p:spPr>
-              <a:xfrm>
-                <a:off x="6649121" y="1402460"/>
-                <a:ext cx="263149" cy="276999"/>
-              </a:xfrm>
-              <a:prstGeom prst="rect">
-                <a:avLst/>
-              </a:prstGeom>
-              <a:noFill/>
-            </p:spPr>
-            <p:txBody>
-              <a:bodyPr wrap="none" lIns="0" tIns="0" rIns="0" bIns="0" rtlCol="0">
-                <a:spAutoFit/>
-              </a:bodyPr>
-              <a:lstStyle/>
-              <a:p>
-                <a14:m>
-                  <m:oMathPara xmlns:m="http://schemas.openxmlformats.org/officeDocument/2006/math">
-                    <m:oMathParaPr>
-                      <m:jc m:val="centerGroup"/>
-                    </m:oMathParaPr>
-                    <m:oMath xmlns:m="http://schemas.openxmlformats.org/officeDocument/2006/math">
-                      <m:sSub>
-                        <m:sSubPr>
-                          <m:ctrlPr>
-                            <a:rPr lang="en-US" altLang="ko-KR" b="0" i="1" smtClean="0">
-                              <a:latin typeface="Cambria Math" panose="02040503050406030204" pitchFamily="18" charset="0"/>
-                            </a:rPr>
-                          </m:ctrlPr>
-                        </m:sSubPr>
-                        <m:e>
-                          <m:r>
-                            <a:rPr lang="en-US" altLang="ko-KR" b="0" i="1" smtClean="0">
-                              <a:latin typeface="Cambria Math" panose="02040503050406030204" pitchFamily="18" charset="0"/>
-                            </a:rPr>
-                            <m:t>𝑓</m:t>
-                          </m:r>
-                        </m:e>
-                        <m:sub>
-                          <m:r>
-                            <a:rPr lang="en-US" altLang="ko-KR" b="0" i="1" smtClean="0">
-                              <a:latin typeface="Cambria Math" panose="02040503050406030204" pitchFamily="18" charset="0"/>
-                            </a:rPr>
-                            <m:t>𝑐</m:t>
-                          </m:r>
-                        </m:sub>
-                      </m:sSub>
-                    </m:oMath>
-                  </m:oMathPara>
-                </a14:m>
-                <a:endParaRPr lang="ko-KR" altLang="en-US" dirty="0"/>
-              </a:p>
-            </p:txBody>
-          </p:sp>
-        </mc:Choice>
-        <mc:Fallback>
-          <p:sp>
-            <p:nvSpPr>
-              <p:cNvPr id="107" name="TextBox 106"/>
-              <p:cNvSpPr txBox="1">
-                <a:spLocks noRot="1" noChangeAspect="1" noMove="1" noResize="1" noEditPoints="1" noAdjustHandles="1" noChangeArrowheads="1" noChangeShapeType="1" noTextEdit="1"/>
-              </p:cNvSpPr>
-              <p:nvPr/>
-            </p:nvSpPr>
-            <p:spPr>
-              <a:xfrm>
-                <a:off x="6649121" y="1402460"/>
-                <a:ext cx="263149" cy="276999"/>
-              </a:xfrm>
-              <a:prstGeom prst="rect">
-                <a:avLst/>
-              </a:prstGeom>
-              <a:blipFill>
-                <a:blip r:embed="rId4"/>
-                <a:stretch>
-                  <a:fillRect l="-25581" r="-6977" b="-36957"/>
-                </a:stretch>
-              </a:blipFill>
-            </p:spPr>
-            <p:txBody>
-              <a:bodyPr/>
-              <a:lstStyle/>
-              <a:p>
-                <a:r>
-                  <a:rPr lang="ko-KR" altLang="en-US">
-                    <a:noFill/>
-                  </a:rPr>
-                  <a:t> </a:t>
-                </a:r>
-              </a:p>
-            </p:txBody>
-          </p:sp>
-        </mc:Fallback>
-      </mc:AlternateContent>
-      <p:cxnSp>
-        <p:nvCxnSpPr>
-          <p:cNvPr id="109" name="꺾인 연결선 108"/>
-          <p:cNvCxnSpPr>
-            <a:endCxn id="47" idx="4"/>
-          </p:cNvCxnSpPr>
-          <p:nvPr/>
-        </p:nvCxnSpPr>
-        <p:spPr>
-          <a:xfrm flipV="1">
-            <a:off x="5080755" y="2730534"/>
-            <a:ext cx="1545275" cy="298192"/>
-          </a:xfrm>
-          <a:prstGeom prst="bentConnector2">
-            <a:avLst/>
-          </a:prstGeom>
-          <a:ln>
-            <a:prstDash val="lgDash"/>
-            <a:tailEnd type="triangle"/>
-          </a:ln>
-        </p:spPr>
-        <p:style>
-          <a:lnRef idx="1">
-            <a:schemeClr val="dk1"/>
-          </a:lnRef>
-          <a:fillRef idx="0">
-            <a:schemeClr val="dk1"/>
-          </a:fillRef>
-          <a:effectRef idx="0">
-            <a:schemeClr val="dk1"/>
-          </a:effectRef>
-          <a:fontRef idx="minor">
-            <a:schemeClr val="tx1"/>
-          </a:fontRef>
-        </p:style>
-      </p:cxnSp>
-      <mc:AlternateContent xmlns:mc="http://schemas.openxmlformats.org/markup-compatibility/2006">
-        <mc:Choice xmlns:a14="http://schemas.microsoft.com/office/drawing/2010/main" Requires="a14">
-          <p:sp>
-            <p:nvSpPr>
-              <p:cNvPr id="110" name="TextBox 109"/>
-              <p:cNvSpPr txBox="1"/>
-              <p:nvPr/>
-            </p:nvSpPr>
-            <p:spPr>
-              <a:xfrm>
-                <a:off x="6649121" y="2751727"/>
-                <a:ext cx="789960" cy="276999"/>
-              </a:xfrm>
-              <a:prstGeom prst="rect">
-                <a:avLst/>
-              </a:prstGeom>
-              <a:noFill/>
-            </p:spPr>
-            <p:txBody>
-              <a:bodyPr wrap="none" lIns="0" tIns="0" rIns="0" bIns="0" rtlCol="0">
-                <a:spAutoFit/>
-              </a:bodyPr>
-              <a:lstStyle/>
-              <a:p>
-                <a14:m>
-                  <m:oMathPara xmlns:m="http://schemas.openxmlformats.org/officeDocument/2006/math">
-                    <m:oMathParaPr>
-                      <m:jc m:val="centerGroup"/>
-                    </m:oMathParaPr>
-                    <m:oMath xmlns:m="http://schemas.openxmlformats.org/officeDocument/2006/math">
-                      <m:sSub>
-                        <m:sSubPr>
-                          <m:ctrlPr>
-                            <a:rPr lang="en-US" altLang="ko-KR" b="0" i="1" smtClean="0">
-                              <a:latin typeface="Cambria Math" panose="02040503050406030204" pitchFamily="18" charset="0"/>
-                            </a:rPr>
-                          </m:ctrlPr>
-                        </m:sSubPr>
-                        <m:e>
-                          <m:r>
-                            <a:rPr lang="en-US" altLang="ko-KR" b="0" i="1" smtClean="0">
-                              <a:latin typeface="Cambria Math" panose="02040503050406030204" pitchFamily="18" charset="0"/>
-                            </a:rPr>
-                            <m:t>𝑓</m:t>
-                          </m:r>
-                        </m:e>
-                        <m:sub>
-                          <m:r>
-                            <a:rPr lang="en-US" altLang="ko-KR" b="0" i="1" smtClean="0">
-                              <a:latin typeface="Cambria Math" panose="02040503050406030204" pitchFamily="18" charset="0"/>
-                            </a:rPr>
-                            <m:t>𝑐</m:t>
-                          </m:r>
-                        </m:sub>
-                      </m:sSub>
-                      <m:r>
-                        <a:rPr lang="en-US" altLang="ko-KR" b="0" i="1" smtClean="0">
-                          <a:latin typeface="Cambria Math" panose="02040503050406030204" pitchFamily="18" charset="0"/>
-                        </a:rPr>
-                        <m:t>+</m:t>
-                      </m:r>
-                      <m:sSub>
-                        <m:sSubPr>
-                          <m:ctrlPr>
-                            <a:rPr lang="en-US" altLang="ko-KR" b="0" i="1" smtClean="0">
-                              <a:latin typeface="Cambria Math" panose="02040503050406030204" pitchFamily="18" charset="0"/>
-                            </a:rPr>
-                          </m:ctrlPr>
-                        </m:sSubPr>
-                        <m:e>
-                          <m:r>
-                            <a:rPr lang="en-US" altLang="ko-KR" b="0" i="1" smtClean="0">
-                              <a:latin typeface="Cambria Math" panose="02040503050406030204" pitchFamily="18" charset="0"/>
-                            </a:rPr>
-                            <m:t>𝑓</m:t>
-                          </m:r>
-                        </m:e>
-                        <m:sub>
-                          <m:r>
-                            <a:rPr lang="en-US" altLang="ko-KR" b="0" i="1" smtClean="0">
-                              <a:latin typeface="Cambria Math" panose="02040503050406030204" pitchFamily="18" charset="0"/>
-                            </a:rPr>
-                            <m:t>𝑚</m:t>
-                          </m:r>
-                        </m:sub>
-                      </m:sSub>
-                    </m:oMath>
-                  </m:oMathPara>
-                </a14:m>
-                <a:endParaRPr lang="ko-KR" altLang="en-US" dirty="0"/>
-              </a:p>
-            </p:txBody>
-          </p:sp>
-        </mc:Choice>
-        <mc:Fallback>
-          <p:sp>
-            <p:nvSpPr>
-              <p:cNvPr id="110" name="TextBox 109"/>
-              <p:cNvSpPr txBox="1">
-                <a:spLocks noRot="1" noChangeAspect="1" noMove="1" noResize="1" noEditPoints="1" noAdjustHandles="1" noChangeArrowheads="1" noChangeShapeType="1" noTextEdit="1"/>
-              </p:cNvSpPr>
-              <p:nvPr/>
-            </p:nvSpPr>
-            <p:spPr>
-              <a:xfrm>
-                <a:off x="6649121" y="2751727"/>
-                <a:ext cx="789960" cy="276999"/>
-              </a:xfrm>
-              <a:prstGeom prst="rect">
-                <a:avLst/>
-              </a:prstGeom>
-              <a:blipFill>
-                <a:blip r:embed="rId5"/>
-                <a:stretch>
-                  <a:fillRect l="-8527" b="-36957"/>
-                </a:stretch>
-              </a:blipFill>
-            </p:spPr>
-            <p:txBody>
-              <a:bodyPr/>
-              <a:lstStyle/>
-              <a:p>
-                <a:r>
-                  <a:rPr lang="ko-KR" altLang="en-US">
-                    <a:noFill/>
-                  </a:rPr>
-                  <a:t> </a:t>
-                </a:r>
-              </a:p>
-            </p:txBody>
-          </p:sp>
-        </mc:Fallback>
-      </mc:AlternateContent>
-      <mc:AlternateContent xmlns:mc="http://schemas.openxmlformats.org/markup-compatibility/2006">
-        <mc:Choice xmlns:a14="http://schemas.microsoft.com/office/drawing/2010/main" Requires="a14">
-          <p:sp>
-            <p:nvSpPr>
-              <p:cNvPr id="111" name="TextBox 110"/>
-              <p:cNvSpPr txBox="1"/>
-              <p:nvPr/>
-            </p:nvSpPr>
-            <p:spPr>
-              <a:xfrm>
-                <a:off x="6649121" y="4311335"/>
-                <a:ext cx="789960" cy="276999"/>
-              </a:xfrm>
-              <a:prstGeom prst="rect">
-                <a:avLst/>
-              </a:prstGeom>
-              <a:noFill/>
-            </p:spPr>
-            <p:txBody>
-              <a:bodyPr wrap="none" lIns="0" tIns="0" rIns="0" bIns="0" rtlCol="0">
-                <a:spAutoFit/>
-              </a:bodyPr>
-              <a:lstStyle/>
-              <a:p>
-                <a14:m>
-                  <m:oMathPara xmlns:m="http://schemas.openxmlformats.org/officeDocument/2006/math">
-                    <m:oMathParaPr>
-                      <m:jc m:val="centerGroup"/>
-                    </m:oMathParaPr>
-                    <m:oMath xmlns:m="http://schemas.openxmlformats.org/officeDocument/2006/math">
-                      <m:sSub>
-                        <m:sSubPr>
-                          <m:ctrlPr>
-                            <a:rPr lang="en-US" altLang="ko-KR" b="0" i="1" smtClean="0">
-                              <a:latin typeface="Cambria Math" panose="02040503050406030204" pitchFamily="18" charset="0"/>
-                            </a:rPr>
-                          </m:ctrlPr>
-                        </m:sSubPr>
-                        <m:e>
-                          <m:r>
-                            <a:rPr lang="en-US" altLang="ko-KR" b="0" i="1" smtClean="0">
-                              <a:latin typeface="Cambria Math" panose="02040503050406030204" pitchFamily="18" charset="0"/>
-                            </a:rPr>
-                            <m:t>𝑓</m:t>
-                          </m:r>
-                        </m:e>
-                        <m:sub>
-                          <m:r>
-                            <a:rPr lang="en-US" altLang="ko-KR" b="0" i="1" smtClean="0">
-                              <a:latin typeface="Cambria Math" panose="02040503050406030204" pitchFamily="18" charset="0"/>
-                            </a:rPr>
-                            <m:t>𝑐</m:t>
-                          </m:r>
-                        </m:sub>
-                      </m:sSub>
-                      <m:r>
-                        <a:rPr lang="en-US" altLang="ko-KR" b="0" i="1" smtClean="0">
-                          <a:latin typeface="Cambria Math" panose="02040503050406030204" pitchFamily="18" charset="0"/>
-                        </a:rPr>
-                        <m:t>−</m:t>
-                      </m:r>
-                      <m:sSub>
-                        <m:sSubPr>
-                          <m:ctrlPr>
-                            <a:rPr lang="en-US" altLang="ko-KR" b="0" i="1" smtClean="0">
-                              <a:latin typeface="Cambria Math" panose="02040503050406030204" pitchFamily="18" charset="0"/>
-                            </a:rPr>
-                          </m:ctrlPr>
-                        </m:sSubPr>
-                        <m:e>
-                          <m:r>
-                            <a:rPr lang="en-US" altLang="ko-KR" b="0" i="1" smtClean="0">
-                              <a:latin typeface="Cambria Math" panose="02040503050406030204" pitchFamily="18" charset="0"/>
-                            </a:rPr>
-                            <m:t>𝑓</m:t>
-                          </m:r>
-                        </m:e>
-                        <m:sub>
-                          <m:r>
-                            <a:rPr lang="en-US" altLang="ko-KR" b="0" i="1" smtClean="0">
-                              <a:latin typeface="Cambria Math" panose="02040503050406030204" pitchFamily="18" charset="0"/>
-                            </a:rPr>
-                            <m:t>𝑚</m:t>
-                          </m:r>
-                        </m:sub>
-                      </m:sSub>
-                    </m:oMath>
-                  </m:oMathPara>
-                </a14:m>
-                <a:endParaRPr lang="ko-KR" altLang="en-US" dirty="0"/>
-              </a:p>
-            </p:txBody>
-          </p:sp>
-        </mc:Choice>
-        <mc:Fallback>
-          <p:sp>
-            <p:nvSpPr>
-              <p:cNvPr id="111" name="TextBox 110"/>
-              <p:cNvSpPr txBox="1">
-                <a:spLocks noRot="1" noChangeAspect="1" noMove="1" noResize="1" noEditPoints="1" noAdjustHandles="1" noChangeArrowheads="1" noChangeShapeType="1" noTextEdit="1"/>
-              </p:cNvSpPr>
-              <p:nvPr/>
-            </p:nvSpPr>
-            <p:spPr>
-              <a:xfrm>
-                <a:off x="6649121" y="4311335"/>
-                <a:ext cx="789960" cy="276999"/>
-              </a:xfrm>
-              <a:prstGeom prst="rect">
-                <a:avLst/>
-              </a:prstGeom>
-              <a:blipFill>
-                <a:blip r:embed="rId6"/>
-                <a:stretch>
-                  <a:fillRect l="-8527" b="-36957"/>
-                </a:stretch>
-              </a:blipFill>
-            </p:spPr>
-            <p:txBody>
-              <a:bodyPr/>
-              <a:lstStyle/>
-              <a:p>
-                <a:r>
-                  <a:rPr lang="ko-KR" altLang="en-US">
-                    <a:noFill/>
-                  </a:rPr>
-                  <a:t> </a:t>
-                </a:r>
-              </a:p>
-            </p:txBody>
-          </p:sp>
-        </mc:Fallback>
-      </mc:AlternateContent>
-      <p:cxnSp>
-        <p:nvCxnSpPr>
-          <p:cNvPr id="112" name="꺾인 연결선 111"/>
-          <p:cNvCxnSpPr>
-            <a:endCxn id="48" idx="4"/>
-          </p:cNvCxnSpPr>
-          <p:nvPr/>
-        </p:nvCxnSpPr>
-        <p:spPr>
-          <a:xfrm flipV="1">
-            <a:off x="5087782" y="4171087"/>
-            <a:ext cx="1538248" cy="417247"/>
-          </a:xfrm>
-          <a:prstGeom prst="bentConnector2">
-            <a:avLst/>
-          </a:prstGeom>
-          <a:ln>
-            <a:prstDash val="lgDash"/>
-            <a:tailEnd type="triangle"/>
-          </a:ln>
-        </p:spPr>
-        <p:style>
-          <a:lnRef idx="1">
-            <a:schemeClr val="dk1"/>
-          </a:lnRef>
-          <a:fillRef idx="0">
-            <a:schemeClr val="dk1"/>
-          </a:fillRef>
-          <a:effectRef idx="0">
-            <a:schemeClr val="dk1"/>
-          </a:effectRef>
-          <a:fontRef idx="minor">
-            <a:schemeClr val="tx1"/>
-          </a:fontRef>
-        </p:style>
-      </p:cxnSp>
     </p:spTree>
     <p:extLst>
       <p:ext uri="{BB962C8B-B14F-4D97-AF65-F5344CB8AC3E}">
